--- a/现代软工.pptx
+++ b/现代软工.pptx
@@ -104,6 +104,11 @@
       </a:defRPr>
     </a:lvl9pPr>
   </p:defaultTextStyle>
+  <p:extLst>
+    <p:ext uri="{EFAFB233-063F-42B5-8137-9DF3F51BA10A}">
+      <p15:sldGuideLst xmlns:p15="http://schemas.microsoft.com/office/powerpoint/2012/main"/>
+    </p:ext>
+  </p:extLst>
 </p:presentation>
 </file>
 
@@ -3029,7 +3034,7 @@
         </p:nvSpPr>
         <p:spPr>
           <a:xfrm>
-            <a:off x="609600" y="1497874"/>
+            <a:off x="707457" y="1332411"/>
             <a:ext cx="11033760" cy="2446824"/>
           </a:xfrm>
           <a:prstGeom prst="rect">
@@ -3178,7 +3183,7 @@
               </a:spcAft>
             </a:pPr>
             <a:r>
-              <a:rPr lang="en-US" altLang="zh-CN" smtClean="0">
+              <a:rPr lang="en-US" altLang="zh-CN" dirty="0" smtClean="0">
                 <a:latin typeface="楷体" panose="02010609060101010101" pitchFamily="49" charset="-122"/>
                 <a:ea typeface="楷体" panose="02010609060101010101" pitchFamily="49" charset="-122"/>
               </a:rPr>
@@ -3215,6 +3220,30 @@
           </a:p>
         </p:txBody>
       </p:sp>
+      <p:pic>
+        <p:nvPicPr>
+          <p:cNvPr id="2" name="图片 1"/>
+          <p:cNvPicPr>
+            <a:picLocks noChangeAspect="1"/>
+          </p:cNvPicPr>
+          <p:nvPr/>
+        </p:nvPicPr>
+        <p:blipFill>
+          <a:blip r:embed="rId2"/>
+          <a:stretch>
+            <a:fillRect/>
+          </a:stretch>
+        </p:blipFill>
+        <p:spPr>
+          <a:xfrm>
+            <a:off x="2412274" y="3505278"/>
+            <a:ext cx="7384868" cy="3120072"/>
+          </a:xfrm>
+          <a:prstGeom prst="rect">
+            <a:avLst/>
+          </a:prstGeom>
+        </p:spPr>
+      </p:pic>
     </p:spTree>
     <p:extLst>
       <p:ext uri="{BB962C8B-B14F-4D97-AF65-F5344CB8AC3E}">

--- a/现代软工.pptx
+++ b/现代软工.pptx
@@ -4,8 +4,14 @@
   <p:sldMasterIdLst>
     <p:sldMasterId id="2147483648" r:id="rId1"/>
   </p:sldMasterIdLst>
+  <p:notesMasterIdLst>
+    <p:notesMasterId r:id="rId6"/>
+  </p:notesMasterIdLst>
   <p:sldIdLst>
     <p:sldId id="256" r:id="rId2"/>
+    <p:sldId id="257" r:id="rId3"/>
+    <p:sldId id="258" r:id="rId4"/>
+    <p:sldId id="259" r:id="rId5"/>
   </p:sldIdLst>
   <p:sldSz cx="12192000" cy="6858000"/>
   <p:notesSz cx="6858000" cy="9144000"/>
@@ -112,6 +118,440 @@
 </p:presentation>
 </file>
 
+<file path=ppt/notesMasters/notesMaster1.xml><?xml version="1.0" encoding="utf-8"?>
+<p:notesMaster xmlns:a="http://schemas.openxmlformats.org/drawingml/2006/main" xmlns:r="http://schemas.openxmlformats.org/officeDocument/2006/relationships" xmlns:p="http://schemas.openxmlformats.org/presentationml/2006/main">
+  <p:cSld>
+    <p:bg>
+      <p:bgRef idx="1001">
+        <a:schemeClr val="bg1"/>
+      </p:bgRef>
+    </p:bg>
+    <p:spTree>
+      <p:nvGrpSpPr>
+        <p:cNvPr id="1" name=""/>
+        <p:cNvGrpSpPr/>
+        <p:nvPr/>
+      </p:nvGrpSpPr>
+      <p:grpSpPr>
+        <a:xfrm>
+          <a:off x="0" y="0"/>
+          <a:ext cx="0" cy="0"/>
+          <a:chOff x="0" y="0"/>
+          <a:chExt cx="0" cy="0"/>
+        </a:xfrm>
+      </p:grpSpPr>
+      <p:sp>
+        <p:nvSpPr>
+          <p:cNvPr id="2" name="页眉占位符 1"/>
+          <p:cNvSpPr>
+            <a:spLocks noGrp="1"/>
+          </p:cNvSpPr>
+          <p:nvPr>
+            <p:ph type="hdr" sz="quarter"/>
+          </p:nvPr>
+        </p:nvSpPr>
+        <p:spPr>
+          <a:xfrm>
+            <a:off x="0" y="0"/>
+            <a:ext cx="2971800" cy="458788"/>
+          </a:xfrm>
+          <a:prstGeom prst="rect">
+            <a:avLst/>
+          </a:prstGeom>
+        </p:spPr>
+        <p:txBody>
+          <a:bodyPr vert="horz" lIns="91440" tIns="45720" rIns="91440" bIns="45720" rtlCol="0"/>
+          <a:lstStyle>
+            <a:lvl1pPr algn="l">
+              <a:defRPr sz="1200"/>
+            </a:lvl1pPr>
+          </a:lstStyle>
+          <a:p>
+            <a:endParaRPr lang="zh-CN" altLang="en-US"/>
+          </a:p>
+        </p:txBody>
+      </p:sp>
+      <p:sp>
+        <p:nvSpPr>
+          <p:cNvPr id="3" name="日期占位符 2"/>
+          <p:cNvSpPr>
+            <a:spLocks noGrp="1"/>
+          </p:cNvSpPr>
+          <p:nvPr>
+            <p:ph type="dt" idx="1"/>
+          </p:nvPr>
+        </p:nvSpPr>
+        <p:spPr>
+          <a:xfrm>
+            <a:off x="3884613" y="0"/>
+            <a:ext cx="2971800" cy="458788"/>
+          </a:xfrm>
+          <a:prstGeom prst="rect">
+            <a:avLst/>
+          </a:prstGeom>
+        </p:spPr>
+        <p:txBody>
+          <a:bodyPr vert="horz" lIns="91440" tIns="45720" rIns="91440" bIns="45720" rtlCol="0"/>
+          <a:lstStyle>
+            <a:lvl1pPr algn="r">
+              <a:defRPr sz="1200"/>
+            </a:lvl1pPr>
+          </a:lstStyle>
+          <a:p>
+            <a:fld id="{B0EAE71E-3DCD-4F88-AECE-D466F9F60172}" type="datetimeFigureOut">
+              <a:rPr lang="zh-CN" altLang="en-US" smtClean="0"/>
+              <a:t>2018/9/26</a:t>
+            </a:fld>
+            <a:endParaRPr lang="zh-CN" altLang="en-US"/>
+          </a:p>
+        </p:txBody>
+      </p:sp>
+      <p:sp>
+        <p:nvSpPr>
+          <p:cNvPr id="4" name="幻灯片图像占位符 3"/>
+          <p:cNvSpPr>
+            <a:spLocks noGrp="1" noRot="1" noChangeAspect="1"/>
+          </p:cNvSpPr>
+          <p:nvPr>
+            <p:ph type="sldImg" idx="2"/>
+          </p:nvPr>
+        </p:nvSpPr>
+        <p:spPr>
+          <a:xfrm>
+            <a:off x="685800" y="1143000"/>
+            <a:ext cx="5486400" cy="3086100"/>
+          </a:xfrm>
+          <a:prstGeom prst="rect">
+            <a:avLst/>
+          </a:prstGeom>
+          <a:noFill/>
+          <a:ln w="12700">
+            <a:solidFill>
+              <a:prstClr val="black"/>
+            </a:solidFill>
+          </a:ln>
+        </p:spPr>
+        <p:txBody>
+          <a:bodyPr vert="horz" lIns="91440" tIns="45720" rIns="91440" bIns="45720" rtlCol="0" anchor="ctr"/>
+          <a:lstStyle/>
+          <a:p>
+            <a:endParaRPr lang="zh-CN" altLang="en-US"/>
+          </a:p>
+        </p:txBody>
+      </p:sp>
+      <p:sp>
+        <p:nvSpPr>
+          <p:cNvPr id="5" name="备注占位符 4"/>
+          <p:cNvSpPr>
+            <a:spLocks noGrp="1"/>
+          </p:cNvSpPr>
+          <p:nvPr>
+            <p:ph type="body" sz="quarter" idx="3"/>
+          </p:nvPr>
+        </p:nvSpPr>
+        <p:spPr>
+          <a:xfrm>
+            <a:off x="685800" y="4400550"/>
+            <a:ext cx="5486400" cy="3600450"/>
+          </a:xfrm>
+          <a:prstGeom prst="rect">
+            <a:avLst/>
+          </a:prstGeom>
+        </p:spPr>
+        <p:txBody>
+          <a:bodyPr vert="horz" lIns="91440" tIns="45720" rIns="91440" bIns="45720" rtlCol="0"/>
+          <a:lstStyle/>
+          <a:p>
+            <a:pPr lvl="0"/>
+            <a:r>
+              <a:rPr lang="zh-CN" altLang="en-US" smtClean="0"/>
+              <a:t>单击此处编辑母版文本样式</a:t>
+            </a:r>
+          </a:p>
+          <a:p>
+            <a:pPr lvl="1"/>
+            <a:r>
+              <a:rPr lang="zh-CN" altLang="en-US" smtClean="0"/>
+              <a:t>第二级</a:t>
+            </a:r>
+          </a:p>
+          <a:p>
+            <a:pPr lvl="2"/>
+            <a:r>
+              <a:rPr lang="zh-CN" altLang="en-US" smtClean="0"/>
+              <a:t>第三级</a:t>
+            </a:r>
+          </a:p>
+          <a:p>
+            <a:pPr lvl="3"/>
+            <a:r>
+              <a:rPr lang="zh-CN" altLang="en-US" smtClean="0"/>
+              <a:t>第四级</a:t>
+            </a:r>
+          </a:p>
+          <a:p>
+            <a:pPr lvl="4"/>
+            <a:r>
+              <a:rPr lang="zh-CN" altLang="en-US" smtClean="0"/>
+              <a:t>第五级</a:t>
+            </a:r>
+            <a:endParaRPr lang="zh-CN" altLang="en-US"/>
+          </a:p>
+        </p:txBody>
+      </p:sp>
+      <p:sp>
+        <p:nvSpPr>
+          <p:cNvPr id="6" name="页脚占位符 5"/>
+          <p:cNvSpPr>
+            <a:spLocks noGrp="1"/>
+          </p:cNvSpPr>
+          <p:nvPr>
+            <p:ph type="ftr" sz="quarter" idx="4"/>
+          </p:nvPr>
+        </p:nvSpPr>
+        <p:spPr>
+          <a:xfrm>
+            <a:off x="0" y="8685213"/>
+            <a:ext cx="2971800" cy="458787"/>
+          </a:xfrm>
+          <a:prstGeom prst="rect">
+            <a:avLst/>
+          </a:prstGeom>
+        </p:spPr>
+        <p:txBody>
+          <a:bodyPr vert="horz" lIns="91440" tIns="45720" rIns="91440" bIns="45720" rtlCol="0" anchor="b"/>
+          <a:lstStyle>
+            <a:lvl1pPr algn="l">
+              <a:defRPr sz="1200"/>
+            </a:lvl1pPr>
+          </a:lstStyle>
+          <a:p>
+            <a:endParaRPr lang="zh-CN" altLang="en-US"/>
+          </a:p>
+        </p:txBody>
+      </p:sp>
+      <p:sp>
+        <p:nvSpPr>
+          <p:cNvPr id="7" name="灯片编号占位符 6"/>
+          <p:cNvSpPr>
+            <a:spLocks noGrp="1"/>
+          </p:cNvSpPr>
+          <p:nvPr>
+            <p:ph type="sldNum" sz="quarter" idx="5"/>
+          </p:nvPr>
+        </p:nvSpPr>
+        <p:spPr>
+          <a:xfrm>
+            <a:off x="3884613" y="8685213"/>
+            <a:ext cx="2971800" cy="458787"/>
+          </a:xfrm>
+          <a:prstGeom prst="rect">
+            <a:avLst/>
+          </a:prstGeom>
+        </p:spPr>
+        <p:txBody>
+          <a:bodyPr vert="horz" lIns="91440" tIns="45720" rIns="91440" bIns="45720" rtlCol="0" anchor="b"/>
+          <a:lstStyle>
+            <a:lvl1pPr algn="r">
+              <a:defRPr sz="1200"/>
+            </a:lvl1pPr>
+          </a:lstStyle>
+          <a:p>
+            <a:fld id="{3D9962D9-3041-4AAF-A420-5C5321AE261F}" type="slidenum">
+              <a:rPr lang="zh-CN" altLang="en-US" smtClean="0"/>
+              <a:t>‹#›</a:t>
+            </a:fld>
+            <a:endParaRPr lang="zh-CN" altLang="en-US"/>
+          </a:p>
+        </p:txBody>
+      </p:sp>
+    </p:spTree>
+    <p:extLst>
+      <p:ext uri="{BB962C8B-B14F-4D97-AF65-F5344CB8AC3E}">
+        <p14:creationId xmlns:p14="http://schemas.microsoft.com/office/powerpoint/2010/main" val="3710083581"/>
+      </p:ext>
+    </p:extLst>
+  </p:cSld>
+  <p:clrMap bg1="lt1" tx1="dk1" bg2="lt2" tx2="dk2" accent1="accent1" accent2="accent2" accent3="accent3" accent4="accent4" accent5="accent5" accent6="accent6" hlink="hlink" folHlink="folHlink"/>
+  <p:notesStyle>
+    <a:lvl1pPr marL="0" algn="l" defTabSz="914400" rtl="0" eaLnBrk="1" latinLnBrk="0" hangingPunct="1">
+      <a:defRPr sz="1200" kern="1200">
+        <a:solidFill>
+          <a:schemeClr val="tx1"/>
+        </a:solidFill>
+        <a:latin typeface="+mn-lt"/>
+        <a:ea typeface="+mn-ea"/>
+        <a:cs typeface="+mn-cs"/>
+      </a:defRPr>
+    </a:lvl1pPr>
+    <a:lvl2pPr marL="457200" algn="l" defTabSz="914400" rtl="0" eaLnBrk="1" latinLnBrk="0" hangingPunct="1">
+      <a:defRPr sz="1200" kern="1200">
+        <a:solidFill>
+          <a:schemeClr val="tx1"/>
+        </a:solidFill>
+        <a:latin typeface="+mn-lt"/>
+        <a:ea typeface="+mn-ea"/>
+        <a:cs typeface="+mn-cs"/>
+      </a:defRPr>
+    </a:lvl2pPr>
+    <a:lvl3pPr marL="914400" algn="l" defTabSz="914400" rtl="0" eaLnBrk="1" latinLnBrk="0" hangingPunct="1">
+      <a:defRPr sz="1200" kern="1200">
+        <a:solidFill>
+          <a:schemeClr val="tx1"/>
+        </a:solidFill>
+        <a:latin typeface="+mn-lt"/>
+        <a:ea typeface="+mn-ea"/>
+        <a:cs typeface="+mn-cs"/>
+      </a:defRPr>
+    </a:lvl3pPr>
+    <a:lvl4pPr marL="1371600" algn="l" defTabSz="914400" rtl="0" eaLnBrk="1" latinLnBrk="0" hangingPunct="1">
+      <a:defRPr sz="1200" kern="1200">
+        <a:solidFill>
+          <a:schemeClr val="tx1"/>
+        </a:solidFill>
+        <a:latin typeface="+mn-lt"/>
+        <a:ea typeface="+mn-ea"/>
+        <a:cs typeface="+mn-cs"/>
+      </a:defRPr>
+    </a:lvl4pPr>
+    <a:lvl5pPr marL="1828800" algn="l" defTabSz="914400" rtl="0" eaLnBrk="1" latinLnBrk="0" hangingPunct="1">
+      <a:defRPr sz="1200" kern="1200">
+        <a:solidFill>
+          <a:schemeClr val="tx1"/>
+        </a:solidFill>
+        <a:latin typeface="+mn-lt"/>
+        <a:ea typeface="+mn-ea"/>
+        <a:cs typeface="+mn-cs"/>
+      </a:defRPr>
+    </a:lvl5pPr>
+    <a:lvl6pPr marL="2286000" algn="l" defTabSz="914400" rtl="0" eaLnBrk="1" latinLnBrk="0" hangingPunct="1">
+      <a:defRPr sz="1200" kern="1200">
+        <a:solidFill>
+          <a:schemeClr val="tx1"/>
+        </a:solidFill>
+        <a:latin typeface="+mn-lt"/>
+        <a:ea typeface="+mn-ea"/>
+        <a:cs typeface="+mn-cs"/>
+      </a:defRPr>
+    </a:lvl6pPr>
+    <a:lvl7pPr marL="2743200" algn="l" defTabSz="914400" rtl="0" eaLnBrk="1" latinLnBrk="0" hangingPunct="1">
+      <a:defRPr sz="1200" kern="1200">
+        <a:solidFill>
+          <a:schemeClr val="tx1"/>
+        </a:solidFill>
+        <a:latin typeface="+mn-lt"/>
+        <a:ea typeface="+mn-ea"/>
+        <a:cs typeface="+mn-cs"/>
+      </a:defRPr>
+    </a:lvl7pPr>
+    <a:lvl8pPr marL="3200400" algn="l" defTabSz="914400" rtl="0" eaLnBrk="1" latinLnBrk="0" hangingPunct="1">
+      <a:defRPr sz="1200" kern="1200">
+        <a:solidFill>
+          <a:schemeClr val="tx1"/>
+        </a:solidFill>
+        <a:latin typeface="+mn-lt"/>
+        <a:ea typeface="+mn-ea"/>
+        <a:cs typeface="+mn-cs"/>
+      </a:defRPr>
+    </a:lvl8pPr>
+    <a:lvl9pPr marL="3657600" algn="l" defTabSz="914400" rtl="0" eaLnBrk="1" latinLnBrk="0" hangingPunct="1">
+      <a:defRPr sz="1200" kern="1200">
+        <a:solidFill>
+          <a:schemeClr val="tx1"/>
+        </a:solidFill>
+        <a:latin typeface="+mn-lt"/>
+        <a:ea typeface="+mn-ea"/>
+        <a:cs typeface="+mn-cs"/>
+      </a:defRPr>
+    </a:lvl9pPr>
+  </p:notesStyle>
+</p:notesMaster>
+</file>
+
+<file path=ppt/notesSlides/notesSlide1.xml><?xml version="1.0" encoding="utf-8"?>
+<p:notes xmlns:a="http://schemas.openxmlformats.org/drawingml/2006/main" xmlns:r="http://schemas.openxmlformats.org/officeDocument/2006/relationships" xmlns:p="http://schemas.openxmlformats.org/presentationml/2006/main">
+  <p:cSld>
+    <p:spTree>
+      <p:nvGrpSpPr>
+        <p:cNvPr id="1" name=""/>
+        <p:cNvGrpSpPr/>
+        <p:nvPr/>
+      </p:nvGrpSpPr>
+      <p:grpSpPr>
+        <a:xfrm>
+          <a:off x="0" y="0"/>
+          <a:ext cx="0" cy="0"/>
+          <a:chOff x="0" y="0"/>
+          <a:chExt cx="0" cy="0"/>
+        </a:xfrm>
+      </p:grpSpPr>
+      <p:sp>
+        <p:nvSpPr>
+          <p:cNvPr id="2" name="幻灯片图像占位符 1"/>
+          <p:cNvSpPr>
+            <a:spLocks noGrp="1" noRot="1" noChangeAspect="1"/>
+          </p:cNvSpPr>
+          <p:nvPr>
+            <p:ph type="sldImg"/>
+          </p:nvPr>
+        </p:nvSpPr>
+        <p:spPr/>
+      </p:sp>
+      <p:sp>
+        <p:nvSpPr>
+          <p:cNvPr id="3" name="备注占位符 2"/>
+          <p:cNvSpPr>
+            <a:spLocks noGrp="1"/>
+          </p:cNvSpPr>
+          <p:nvPr>
+            <p:ph type="body" idx="1"/>
+          </p:nvPr>
+        </p:nvSpPr>
+        <p:spPr/>
+        <p:txBody>
+          <a:bodyPr/>
+          <a:lstStyle/>
+          <a:p>
+            <a:endParaRPr lang="zh-CN" altLang="en-US" dirty="0"/>
+          </a:p>
+        </p:txBody>
+      </p:sp>
+      <p:sp>
+        <p:nvSpPr>
+          <p:cNvPr id="4" name="灯片编号占位符 3"/>
+          <p:cNvSpPr>
+            <a:spLocks noGrp="1"/>
+          </p:cNvSpPr>
+          <p:nvPr>
+            <p:ph type="sldNum" sz="quarter" idx="10"/>
+          </p:nvPr>
+        </p:nvSpPr>
+        <p:spPr/>
+        <p:txBody>
+          <a:bodyPr/>
+          <a:lstStyle/>
+          <a:p>
+            <a:fld id="{3D9962D9-3041-4AAF-A420-5C5321AE261F}" type="slidenum">
+              <a:rPr lang="zh-CN" altLang="en-US" smtClean="0"/>
+              <a:t>3</a:t>
+            </a:fld>
+            <a:endParaRPr lang="zh-CN" altLang="en-US"/>
+          </a:p>
+        </p:txBody>
+      </p:sp>
+    </p:spTree>
+    <p:extLst>
+      <p:ext uri="{BB962C8B-B14F-4D97-AF65-F5344CB8AC3E}">
+        <p14:creationId xmlns:p14="http://schemas.microsoft.com/office/powerpoint/2010/main" val="1143216244"/>
+      </p:ext>
+    </p:extLst>
+  </p:cSld>
+  <p:clrMapOvr>
+    <a:masterClrMapping/>
+  </p:clrMapOvr>
+</p:notes>
+</file>
+
 <file path=ppt/slideLayouts/slideLayout1.xml><?xml version="1.0" encoding="utf-8"?>
 <p:sldLayout xmlns:a="http://schemas.openxmlformats.org/drawingml/2006/main" xmlns:r="http://schemas.openxmlformats.org/officeDocument/2006/relationships" xmlns:p="http://schemas.openxmlformats.org/presentationml/2006/main" type="title" preserve="1">
   <p:cSld name="标题幻灯片">
@@ -243,7 +683,7 @@
           <a:p>
             <a:fld id="{BFE65159-A6CF-4F21-8319-D585FF587B56}" type="datetimeFigureOut">
               <a:rPr lang="zh-CN" altLang="en-US" smtClean="0"/>
-              <a:t>2018/9/20</a:t>
+              <a:t>2018/9/26</a:t>
             </a:fld>
             <a:endParaRPr lang="zh-CN" altLang="en-US"/>
           </a:p>
@@ -413,7 +853,7 @@
           <a:p>
             <a:fld id="{BFE65159-A6CF-4F21-8319-D585FF587B56}" type="datetimeFigureOut">
               <a:rPr lang="zh-CN" altLang="en-US" smtClean="0"/>
-              <a:t>2018/9/20</a:t>
+              <a:t>2018/9/26</a:t>
             </a:fld>
             <a:endParaRPr lang="zh-CN" altLang="en-US"/>
           </a:p>
@@ -593,7 +1033,7 @@
           <a:p>
             <a:fld id="{BFE65159-A6CF-4F21-8319-D585FF587B56}" type="datetimeFigureOut">
               <a:rPr lang="zh-CN" altLang="en-US" smtClean="0"/>
-              <a:t>2018/9/20</a:t>
+              <a:t>2018/9/26</a:t>
             </a:fld>
             <a:endParaRPr lang="zh-CN" altLang="en-US"/>
           </a:p>
@@ -763,7 +1203,7 @@
           <a:p>
             <a:fld id="{BFE65159-A6CF-4F21-8319-D585FF587B56}" type="datetimeFigureOut">
               <a:rPr lang="zh-CN" altLang="en-US" smtClean="0"/>
-              <a:t>2018/9/20</a:t>
+              <a:t>2018/9/26</a:t>
             </a:fld>
             <a:endParaRPr lang="zh-CN" altLang="en-US"/>
           </a:p>
@@ -1009,7 +1449,7 @@
           <a:p>
             <a:fld id="{BFE65159-A6CF-4F21-8319-D585FF587B56}" type="datetimeFigureOut">
               <a:rPr lang="zh-CN" altLang="en-US" smtClean="0"/>
-              <a:t>2018/9/20</a:t>
+              <a:t>2018/9/26</a:t>
             </a:fld>
             <a:endParaRPr lang="zh-CN" altLang="en-US"/>
           </a:p>
@@ -1241,7 +1681,7 @@
           <a:p>
             <a:fld id="{BFE65159-A6CF-4F21-8319-D585FF587B56}" type="datetimeFigureOut">
               <a:rPr lang="zh-CN" altLang="en-US" smtClean="0"/>
-              <a:t>2018/9/20</a:t>
+              <a:t>2018/9/26</a:t>
             </a:fld>
             <a:endParaRPr lang="zh-CN" altLang="en-US"/>
           </a:p>
@@ -1608,7 +2048,7 @@
           <a:p>
             <a:fld id="{BFE65159-A6CF-4F21-8319-D585FF587B56}" type="datetimeFigureOut">
               <a:rPr lang="zh-CN" altLang="en-US" smtClean="0"/>
-              <a:t>2018/9/20</a:t>
+              <a:t>2018/9/26</a:t>
             </a:fld>
             <a:endParaRPr lang="zh-CN" altLang="en-US"/>
           </a:p>
@@ -1726,7 +2166,7 @@
           <a:p>
             <a:fld id="{BFE65159-A6CF-4F21-8319-D585FF587B56}" type="datetimeFigureOut">
               <a:rPr lang="zh-CN" altLang="en-US" smtClean="0"/>
-              <a:t>2018/9/20</a:t>
+              <a:t>2018/9/26</a:t>
             </a:fld>
             <a:endParaRPr lang="zh-CN" altLang="en-US"/>
           </a:p>
@@ -1821,7 +2261,7 @@
           <a:p>
             <a:fld id="{BFE65159-A6CF-4F21-8319-D585FF587B56}" type="datetimeFigureOut">
               <a:rPr lang="zh-CN" altLang="en-US" smtClean="0"/>
-              <a:t>2018/9/20</a:t>
+              <a:t>2018/9/26</a:t>
             </a:fld>
             <a:endParaRPr lang="zh-CN" altLang="en-US"/>
           </a:p>
@@ -2098,7 +2538,7 @@
           <a:p>
             <a:fld id="{BFE65159-A6CF-4F21-8319-D585FF587B56}" type="datetimeFigureOut">
               <a:rPr lang="zh-CN" altLang="en-US" smtClean="0"/>
-              <a:t>2018/9/20</a:t>
+              <a:t>2018/9/26</a:t>
             </a:fld>
             <a:endParaRPr lang="zh-CN" altLang="en-US"/>
           </a:p>
@@ -2351,7 +2791,7 @@
           <a:p>
             <a:fld id="{BFE65159-A6CF-4F21-8319-D585FF587B56}" type="datetimeFigureOut">
               <a:rPr lang="zh-CN" altLang="en-US" smtClean="0"/>
-              <a:t>2018/9/20</a:t>
+              <a:t>2018/9/26</a:t>
             </a:fld>
             <a:endParaRPr lang="zh-CN" altLang="en-US"/>
           </a:p>
@@ -2564,7 +3004,7 @@
           <a:p>
             <a:fld id="{BFE65159-A6CF-4F21-8319-D585FF587B56}" type="datetimeFigureOut">
               <a:rPr lang="zh-CN" altLang="en-US" smtClean="0"/>
-              <a:t>2018/9/20</a:t>
+              <a:t>2018/9/26</a:t>
             </a:fld>
             <a:endParaRPr lang="zh-CN" altLang="en-US"/>
           </a:p>
@@ -3034,7 +3474,7 @@
         </p:nvSpPr>
         <p:spPr>
           <a:xfrm>
-            <a:off x="707457" y="1332411"/>
+            <a:off x="609600" y="1497874"/>
             <a:ext cx="11033760" cy="2446824"/>
           </a:xfrm>
           <a:prstGeom prst="rect">
@@ -3183,7 +3623,7 @@
               </a:spcAft>
             </a:pPr>
             <a:r>
-              <a:rPr lang="en-US" altLang="zh-CN" dirty="0" smtClean="0">
+              <a:rPr lang="en-US" altLang="zh-CN" smtClean="0">
                 <a:latin typeface="楷体" panose="02010609060101010101" pitchFamily="49" charset="-122"/>
                 <a:ea typeface="楷体" panose="02010609060101010101" pitchFamily="49" charset="-122"/>
               </a:rPr>
@@ -3220,34 +3660,1271 @@
           </a:p>
         </p:txBody>
       </p:sp>
-      <p:pic>
-        <p:nvPicPr>
-          <p:cNvPr id="2" name="图片 1"/>
-          <p:cNvPicPr>
-            <a:picLocks noChangeAspect="1"/>
-          </p:cNvPicPr>
-          <p:nvPr/>
-        </p:nvPicPr>
-        <p:blipFill>
-          <a:blip r:embed="rId2"/>
-          <a:stretch>
-            <a:fillRect/>
-          </a:stretch>
-        </p:blipFill>
+    </p:spTree>
+    <p:extLst>
+      <p:ext uri="{BB962C8B-B14F-4D97-AF65-F5344CB8AC3E}">
+        <p14:creationId xmlns:p14="http://schemas.microsoft.com/office/powerpoint/2010/main" val="2600081201"/>
+      </p:ext>
+    </p:extLst>
+  </p:cSld>
+  <p:clrMapOvr>
+    <a:masterClrMapping/>
+  </p:clrMapOvr>
+</p:sld>
+</file>
+
+<file path=ppt/slides/slide2.xml><?xml version="1.0" encoding="utf-8"?>
+<p:sld xmlns:a="http://schemas.openxmlformats.org/drawingml/2006/main" xmlns:r="http://schemas.openxmlformats.org/officeDocument/2006/relationships" xmlns:p="http://schemas.openxmlformats.org/presentationml/2006/main">
+  <p:cSld>
+    <p:spTree>
+      <p:nvGrpSpPr>
+        <p:cNvPr id="1" name=""/>
+        <p:cNvGrpSpPr/>
+        <p:nvPr/>
+      </p:nvGrpSpPr>
+      <p:grpSpPr>
+        <a:xfrm>
+          <a:off x="0" y="0"/>
+          <a:ext cx="0" cy="0"/>
+          <a:chOff x="0" y="0"/>
+          <a:chExt cx="0" cy="0"/>
+        </a:xfrm>
+      </p:grpSpPr>
+      <p:sp>
+        <p:nvSpPr>
+          <p:cNvPr id="3" name="副标题 2"/>
+          <p:cNvSpPr>
+            <a:spLocks noGrp="1"/>
+          </p:cNvSpPr>
+          <p:nvPr>
+            <p:ph type="subTitle" idx="1"/>
+          </p:nvPr>
+        </p:nvSpPr>
         <p:spPr>
           <a:xfrm>
-            <a:off x="2412274" y="3505278"/>
-            <a:ext cx="7384868" cy="3120072"/>
+            <a:off x="1652337" y="473828"/>
+            <a:ext cx="9144000" cy="665161"/>
+          </a:xfrm>
+        </p:spPr>
+        <p:txBody>
+          <a:bodyPr>
+            <a:normAutofit/>
+          </a:bodyPr>
+          <a:lstStyle/>
+          <a:p>
+            <a:r>
+              <a:rPr lang="zh-CN" altLang="en-US" sz="3200" dirty="0" smtClean="0">
+                <a:latin typeface="楷体" panose="02010609060101010101" pitchFamily="49" charset="-122"/>
+                <a:ea typeface="楷体" panose="02010609060101010101" pitchFamily="49" charset="-122"/>
+              </a:rPr>
+              <a:t>第</a:t>
+            </a:r>
+            <a:r>
+              <a:rPr lang="en-US" altLang="zh-CN" sz="3200" dirty="0" smtClean="0">
+                <a:latin typeface="楷体" panose="02010609060101010101" pitchFamily="49" charset="-122"/>
+                <a:ea typeface="楷体" panose="02010609060101010101" pitchFamily="49" charset="-122"/>
+              </a:rPr>
+              <a:t>6</a:t>
+            </a:r>
+            <a:r>
+              <a:rPr lang="zh-CN" altLang="en-US" sz="3200" dirty="0" smtClean="0">
+                <a:latin typeface="楷体" panose="02010609060101010101" pitchFamily="49" charset="-122"/>
+                <a:ea typeface="楷体" panose="02010609060101010101" pitchFamily="49" charset="-122"/>
+              </a:rPr>
+              <a:t>章 敏捷流程</a:t>
+            </a:r>
+            <a:endParaRPr lang="zh-CN" altLang="en-US" sz="3200" dirty="0">
+              <a:latin typeface="楷体" panose="02010609060101010101" pitchFamily="49" charset="-122"/>
+              <a:ea typeface="楷体" panose="02010609060101010101" pitchFamily="49" charset="-122"/>
+            </a:endParaRPr>
+          </a:p>
+        </p:txBody>
+      </p:sp>
+      <p:sp>
+        <p:nvSpPr>
+          <p:cNvPr id="4" name="文本框 3"/>
+          <p:cNvSpPr txBox="1"/>
+          <p:nvPr/>
+        </p:nvSpPr>
+        <p:spPr>
+          <a:xfrm>
+            <a:off x="609600" y="1497874"/>
+            <a:ext cx="11033760" cy="1661993"/>
           </a:xfrm>
           <a:prstGeom prst="rect">
             <a:avLst/>
           </a:prstGeom>
+          <a:noFill/>
         </p:spPr>
-      </p:pic>
+        <p:txBody>
+          <a:bodyPr wrap="square" rtlCol="0">
+            <a:spAutoFit/>
+          </a:bodyPr>
+          <a:lstStyle/>
+          <a:p>
+            <a:pPr>
+              <a:spcBef>
+                <a:spcPts val="600"/>
+              </a:spcBef>
+              <a:spcAft>
+                <a:spcPts val="600"/>
+              </a:spcAft>
+            </a:pPr>
+            <a:r>
+              <a:rPr lang="en-US" altLang="zh-CN" dirty="0" smtClean="0">
+                <a:latin typeface="楷体" panose="02010609060101010101" pitchFamily="49" charset="-122"/>
+                <a:ea typeface="楷体" panose="02010609060101010101" pitchFamily="49" charset="-122"/>
+              </a:rPr>
+              <a:t>1.</a:t>
+            </a:r>
+            <a:r>
+              <a:rPr lang="zh-CN" altLang="en-US" dirty="0" smtClean="0">
+                <a:latin typeface="楷体" panose="02010609060101010101" pitchFamily="49" charset="-122"/>
+                <a:ea typeface="楷体" panose="02010609060101010101" pitchFamily="49" charset="-122"/>
+              </a:rPr>
+              <a:t>敏捷流程</a:t>
+            </a:r>
+            <a:endParaRPr lang="en-US" altLang="zh-CN" dirty="0" smtClean="0">
+              <a:latin typeface="楷体" panose="02010609060101010101" pitchFamily="49" charset="-122"/>
+              <a:ea typeface="楷体" panose="02010609060101010101" pitchFamily="49" charset="-122"/>
+            </a:endParaRPr>
+          </a:p>
+          <a:p>
+            <a:pPr>
+              <a:spcBef>
+                <a:spcPts val="600"/>
+              </a:spcBef>
+              <a:spcAft>
+                <a:spcPts val="600"/>
+              </a:spcAft>
+            </a:pPr>
+            <a:r>
+              <a:rPr lang="en-US" altLang="zh-CN" dirty="0" smtClean="0">
+                <a:latin typeface="楷体" panose="02010609060101010101" pitchFamily="49" charset="-122"/>
+                <a:ea typeface="楷体" panose="02010609060101010101" pitchFamily="49" charset="-122"/>
+              </a:rPr>
+              <a:t>2.</a:t>
+            </a:r>
+            <a:r>
+              <a:rPr lang="zh-CN" altLang="en-US" dirty="0" smtClean="0">
+                <a:latin typeface="楷体" panose="02010609060101010101" pitchFamily="49" charset="-122"/>
+                <a:ea typeface="楷体" panose="02010609060101010101" pitchFamily="49" charset="-122"/>
+              </a:rPr>
+              <a:t>敏捷原则</a:t>
+            </a:r>
+            <a:endParaRPr lang="en-US" altLang="zh-CN" dirty="0" smtClean="0">
+              <a:latin typeface="楷体" panose="02010609060101010101" pitchFamily="49" charset="-122"/>
+              <a:ea typeface="楷体" panose="02010609060101010101" pitchFamily="49" charset="-122"/>
+            </a:endParaRPr>
+          </a:p>
+          <a:p>
+            <a:pPr>
+              <a:spcBef>
+                <a:spcPts val="600"/>
+              </a:spcBef>
+              <a:spcAft>
+                <a:spcPts val="600"/>
+              </a:spcAft>
+            </a:pPr>
+            <a:r>
+              <a:rPr lang="en-US" altLang="zh-CN" dirty="0" smtClean="0">
+                <a:latin typeface="楷体" panose="02010609060101010101" pitchFamily="49" charset="-122"/>
+                <a:ea typeface="楷体" panose="02010609060101010101" pitchFamily="49" charset="-122"/>
+              </a:rPr>
+              <a:t>3.</a:t>
+            </a:r>
+            <a:r>
+              <a:rPr lang="zh-CN" altLang="en-US" dirty="0" smtClean="0">
+                <a:latin typeface="楷体" panose="02010609060101010101" pitchFamily="49" charset="-122"/>
+                <a:ea typeface="楷体" panose="02010609060101010101" pitchFamily="49" charset="-122"/>
+              </a:rPr>
+              <a:t>何时选择敏捷开发方法？</a:t>
+            </a:r>
+            <a:endParaRPr lang="en-US" altLang="zh-CN" dirty="0" smtClean="0">
+              <a:latin typeface="楷体" panose="02010609060101010101" pitchFamily="49" charset="-122"/>
+              <a:ea typeface="楷体" panose="02010609060101010101" pitchFamily="49" charset="-122"/>
+            </a:endParaRPr>
+          </a:p>
+          <a:p>
+            <a:pPr>
+              <a:spcBef>
+                <a:spcPts val="600"/>
+              </a:spcBef>
+              <a:spcAft>
+                <a:spcPts val="600"/>
+              </a:spcAft>
+            </a:pPr>
+            <a:endParaRPr lang="zh-CN" altLang="en-US" dirty="0"/>
+          </a:p>
+        </p:txBody>
+      </p:sp>
     </p:spTree>
     <p:extLst>
       <p:ext uri="{BB962C8B-B14F-4D97-AF65-F5344CB8AC3E}">
-        <p14:creationId xmlns:p14="http://schemas.microsoft.com/office/powerpoint/2010/main" val="2600081201"/>
+        <p14:creationId xmlns:p14="http://schemas.microsoft.com/office/powerpoint/2010/main" val="69145427"/>
+      </p:ext>
+    </p:extLst>
+  </p:cSld>
+  <p:clrMapOvr>
+    <a:masterClrMapping/>
+  </p:clrMapOvr>
+</p:sld>
+</file>
+
+<file path=ppt/slides/slide3.xml><?xml version="1.0" encoding="utf-8"?>
+<p:sld xmlns:a="http://schemas.openxmlformats.org/drawingml/2006/main" xmlns:r="http://schemas.openxmlformats.org/officeDocument/2006/relationships" xmlns:p="http://schemas.openxmlformats.org/presentationml/2006/main">
+  <p:cSld>
+    <p:spTree>
+      <p:nvGrpSpPr>
+        <p:cNvPr id="1" name=""/>
+        <p:cNvGrpSpPr/>
+        <p:nvPr/>
+      </p:nvGrpSpPr>
+      <p:grpSpPr>
+        <a:xfrm>
+          <a:off x="0" y="0"/>
+          <a:ext cx="0" cy="0"/>
+          <a:chOff x="0" y="0"/>
+          <a:chExt cx="0" cy="0"/>
+        </a:xfrm>
+      </p:grpSpPr>
+      <p:sp>
+        <p:nvSpPr>
+          <p:cNvPr id="3" name="副标题 2"/>
+          <p:cNvSpPr>
+            <a:spLocks noGrp="1"/>
+          </p:cNvSpPr>
+          <p:nvPr>
+            <p:ph type="subTitle" idx="1"/>
+          </p:nvPr>
+        </p:nvSpPr>
+        <p:spPr>
+          <a:xfrm>
+            <a:off x="1652337" y="473828"/>
+            <a:ext cx="9144000" cy="665161"/>
+          </a:xfrm>
+        </p:spPr>
+        <p:txBody>
+          <a:bodyPr>
+            <a:normAutofit/>
+          </a:bodyPr>
+          <a:lstStyle/>
+          <a:p>
+            <a:r>
+              <a:rPr lang="zh-CN" altLang="en-US" sz="3200" dirty="0" smtClean="0">
+                <a:latin typeface="楷体" panose="02010609060101010101" pitchFamily="49" charset="-122"/>
+                <a:ea typeface="楷体" panose="02010609060101010101" pitchFamily="49" charset="-122"/>
+              </a:rPr>
+              <a:t>第</a:t>
+            </a:r>
+            <a:r>
+              <a:rPr lang="en-US" altLang="zh-CN" sz="3200" dirty="0" smtClean="0">
+                <a:latin typeface="楷体" panose="02010609060101010101" pitchFamily="49" charset="-122"/>
+                <a:ea typeface="楷体" panose="02010609060101010101" pitchFamily="49" charset="-122"/>
+              </a:rPr>
+              <a:t>6</a:t>
+            </a:r>
+            <a:r>
+              <a:rPr lang="zh-CN" altLang="en-US" sz="3200" dirty="0" smtClean="0">
+                <a:latin typeface="楷体" panose="02010609060101010101" pitchFamily="49" charset="-122"/>
+                <a:ea typeface="楷体" panose="02010609060101010101" pitchFamily="49" charset="-122"/>
+              </a:rPr>
+              <a:t>章 敏捷流程</a:t>
+            </a:r>
+            <a:endParaRPr lang="zh-CN" altLang="en-US" sz="3200" dirty="0">
+              <a:latin typeface="楷体" panose="02010609060101010101" pitchFamily="49" charset="-122"/>
+              <a:ea typeface="楷体" panose="02010609060101010101" pitchFamily="49" charset="-122"/>
+            </a:endParaRPr>
+          </a:p>
+        </p:txBody>
+      </p:sp>
+      <p:sp>
+        <p:nvSpPr>
+          <p:cNvPr id="4" name="文本框 3"/>
+          <p:cNvSpPr txBox="1"/>
+          <p:nvPr/>
+        </p:nvSpPr>
+        <p:spPr>
+          <a:xfrm>
+            <a:off x="609600" y="1497874"/>
+            <a:ext cx="11033760" cy="4247317"/>
+          </a:xfrm>
+          <a:prstGeom prst="rect">
+            <a:avLst/>
+          </a:prstGeom>
+          <a:noFill/>
+        </p:spPr>
+        <p:txBody>
+          <a:bodyPr wrap="square" rtlCol="0">
+            <a:spAutoFit/>
+          </a:bodyPr>
+          <a:lstStyle/>
+          <a:p>
+            <a:pPr>
+              <a:spcBef>
+                <a:spcPts val="600"/>
+              </a:spcBef>
+              <a:spcAft>
+                <a:spcPts val="600"/>
+              </a:spcAft>
+            </a:pPr>
+            <a:r>
+              <a:rPr lang="en-US" altLang="zh-CN" b="1" dirty="0" smtClean="0">
+                <a:latin typeface="楷体" panose="02010609060101010101" pitchFamily="49" charset="-122"/>
+                <a:ea typeface="楷体" panose="02010609060101010101" pitchFamily="49" charset="-122"/>
+              </a:rPr>
+              <a:t>1.</a:t>
+            </a:r>
+            <a:r>
+              <a:rPr lang="zh-CN" altLang="en-US" b="1" dirty="0" smtClean="0">
+                <a:latin typeface="楷体" panose="02010609060101010101" pitchFamily="49" charset="-122"/>
+                <a:ea typeface="楷体" panose="02010609060101010101" pitchFamily="49" charset="-122"/>
+              </a:rPr>
+              <a:t>敏捷流程</a:t>
+            </a:r>
+            <a:endParaRPr lang="en-US" altLang="zh-CN" b="1" dirty="0" smtClean="0">
+              <a:latin typeface="楷体" panose="02010609060101010101" pitchFamily="49" charset="-122"/>
+              <a:ea typeface="楷体" panose="02010609060101010101" pitchFamily="49" charset="-122"/>
+            </a:endParaRPr>
+          </a:p>
+          <a:p>
+            <a:pPr>
+              <a:spcBef>
+                <a:spcPts val="600"/>
+              </a:spcBef>
+              <a:spcAft>
+                <a:spcPts val="600"/>
+              </a:spcAft>
+            </a:pPr>
+            <a:r>
+              <a:rPr lang="zh-CN" altLang="en-US" dirty="0" smtClean="0">
+                <a:latin typeface="楷体" panose="02010609060101010101" pitchFamily="49" charset="-122"/>
+                <a:ea typeface="楷体" panose="02010609060101010101" pitchFamily="49" charset="-122"/>
+              </a:rPr>
+              <a:t>定义：一系列价值观和方法论的集合。</a:t>
+            </a:r>
+            <a:endParaRPr lang="en-US" altLang="zh-CN" dirty="0" smtClean="0">
+              <a:latin typeface="楷体" panose="02010609060101010101" pitchFamily="49" charset="-122"/>
+              <a:ea typeface="楷体" panose="02010609060101010101" pitchFamily="49" charset="-122"/>
+            </a:endParaRPr>
+          </a:p>
+          <a:p>
+            <a:pPr>
+              <a:spcBef>
+                <a:spcPts val="600"/>
+              </a:spcBef>
+              <a:spcAft>
+                <a:spcPts val="600"/>
+              </a:spcAft>
+            </a:pPr>
+            <a:r>
+              <a:rPr lang="en-US" altLang="zh-CN" dirty="0" smtClean="0">
+                <a:latin typeface="楷体" panose="02010609060101010101" pitchFamily="49" charset="-122"/>
+                <a:ea typeface="楷体" panose="02010609060101010101" pitchFamily="49" charset="-122"/>
+              </a:rPr>
+              <a:t>                                                           </a:t>
+            </a:r>
+            <a:r>
+              <a:rPr lang="zh-CN" altLang="en-US" dirty="0" smtClean="0">
+                <a:latin typeface="楷体" panose="02010609060101010101" pitchFamily="49" charset="-122"/>
+                <a:ea typeface="楷体" panose="02010609060101010101" pitchFamily="49" charset="-122"/>
+              </a:rPr>
+              <a:t>表 现有做法 </a:t>
+            </a:r>
+            <a:r>
+              <a:rPr lang="en-US" altLang="zh-CN" dirty="0" smtClean="0">
+                <a:latin typeface="楷体" panose="02010609060101010101" pitchFamily="49" charset="-122"/>
+                <a:ea typeface="楷体" panose="02010609060101010101" pitchFamily="49" charset="-122"/>
+              </a:rPr>
+              <a:t>VS. </a:t>
+            </a:r>
+            <a:r>
+              <a:rPr lang="zh-CN" altLang="en-US" dirty="0" smtClean="0">
+                <a:latin typeface="楷体" panose="02010609060101010101" pitchFamily="49" charset="-122"/>
+                <a:ea typeface="楷体" panose="02010609060101010101" pitchFamily="49" charset="-122"/>
+              </a:rPr>
+              <a:t>敏捷的做法</a:t>
+            </a:r>
+            <a:endParaRPr lang="en-US" altLang="zh-CN" dirty="0">
+              <a:latin typeface="楷体" panose="02010609060101010101" pitchFamily="49" charset="-122"/>
+              <a:ea typeface="楷体" panose="02010609060101010101" pitchFamily="49" charset="-122"/>
+            </a:endParaRPr>
+          </a:p>
+          <a:p>
+            <a:pPr>
+              <a:spcBef>
+                <a:spcPts val="600"/>
+              </a:spcBef>
+              <a:spcAft>
+                <a:spcPts val="600"/>
+              </a:spcAft>
+            </a:pPr>
+            <a:r>
+              <a:rPr lang="zh-CN" altLang="en-US" dirty="0">
+                <a:latin typeface="楷体" panose="02010609060101010101" pitchFamily="49" charset="-122"/>
+                <a:ea typeface="楷体" panose="02010609060101010101" pitchFamily="49" charset="-122"/>
+              </a:rPr>
+              <a:t>敏捷做法能够根据需求方要求，在需求方配合的情况下</a:t>
+            </a:r>
+            <a:r>
+              <a:rPr lang="zh-CN" altLang="en-US" dirty="0" smtClean="0">
+                <a:latin typeface="楷体" panose="02010609060101010101" pitchFamily="49" charset="-122"/>
+                <a:ea typeface="楷体" panose="02010609060101010101" pitchFamily="49" charset="-122"/>
+              </a:rPr>
+              <a:t>，</a:t>
+            </a:r>
+            <a:endParaRPr lang="en-US" altLang="zh-CN" dirty="0" smtClean="0">
+              <a:latin typeface="楷体" panose="02010609060101010101" pitchFamily="49" charset="-122"/>
+              <a:ea typeface="楷体" panose="02010609060101010101" pitchFamily="49" charset="-122"/>
+            </a:endParaRPr>
+          </a:p>
+          <a:p>
+            <a:pPr>
+              <a:spcBef>
+                <a:spcPts val="600"/>
+              </a:spcBef>
+              <a:spcAft>
+                <a:spcPts val="600"/>
+              </a:spcAft>
+            </a:pPr>
+            <a:r>
+              <a:rPr lang="zh-CN" altLang="en-US" dirty="0" smtClean="0">
+                <a:latin typeface="楷体" panose="02010609060101010101" pitchFamily="49" charset="-122"/>
+                <a:ea typeface="楷体" panose="02010609060101010101" pitchFamily="49" charset="-122"/>
+              </a:rPr>
+              <a:t>时刻</a:t>
+            </a:r>
+            <a:r>
+              <a:rPr lang="zh-CN" altLang="en-US" dirty="0">
+                <a:latin typeface="楷体" panose="02010609060101010101" pitchFamily="49" charset="-122"/>
+                <a:ea typeface="楷体" panose="02010609060101010101" pitchFamily="49" charset="-122"/>
+              </a:rPr>
+              <a:t>监督、指导着开发</a:t>
+            </a:r>
+            <a:r>
+              <a:rPr lang="zh-CN" altLang="en-US" dirty="0" smtClean="0">
+                <a:latin typeface="楷体" panose="02010609060101010101" pitchFamily="49" charset="-122"/>
+                <a:ea typeface="楷体" panose="02010609060101010101" pitchFamily="49" charset="-122"/>
+              </a:rPr>
+              <a:t>环节，并且在完成可执行软件时，</a:t>
+            </a:r>
+            <a:endParaRPr lang="en-US" altLang="zh-CN" dirty="0" smtClean="0">
+              <a:latin typeface="楷体" panose="02010609060101010101" pitchFamily="49" charset="-122"/>
+              <a:ea typeface="楷体" panose="02010609060101010101" pitchFamily="49" charset="-122"/>
+            </a:endParaRPr>
+          </a:p>
+          <a:p>
+            <a:pPr>
+              <a:spcBef>
+                <a:spcPts val="600"/>
+              </a:spcBef>
+              <a:spcAft>
+                <a:spcPts val="600"/>
+              </a:spcAft>
+            </a:pPr>
+            <a:r>
+              <a:rPr lang="zh-CN" altLang="en-US" dirty="0">
+                <a:latin typeface="楷体" panose="02010609060101010101" pitchFamily="49" charset="-122"/>
+                <a:ea typeface="楷体" panose="02010609060101010101" pitchFamily="49" charset="-122"/>
+              </a:rPr>
+              <a:t>如</a:t>
+            </a:r>
+            <a:r>
+              <a:rPr lang="zh-CN" altLang="en-US" dirty="0" smtClean="0">
+                <a:latin typeface="楷体" panose="02010609060101010101" pitchFamily="49" charset="-122"/>
+                <a:ea typeface="楷体" panose="02010609060101010101" pitchFamily="49" charset="-122"/>
+              </a:rPr>
+              <a:t>遇到问题，能够及时响应予以解决。</a:t>
+            </a:r>
+            <a:endParaRPr lang="en-US" altLang="zh-CN" dirty="0">
+              <a:latin typeface="楷体" panose="02010609060101010101" pitchFamily="49" charset="-122"/>
+              <a:ea typeface="楷体" panose="02010609060101010101" pitchFamily="49" charset="-122"/>
+            </a:endParaRPr>
+          </a:p>
+          <a:p>
+            <a:pPr>
+              <a:spcBef>
+                <a:spcPts val="600"/>
+              </a:spcBef>
+              <a:spcAft>
+                <a:spcPts val="600"/>
+              </a:spcAft>
+            </a:pPr>
+            <a:endParaRPr lang="en-US" altLang="zh-CN" dirty="0" smtClean="0">
+              <a:latin typeface="楷体" panose="02010609060101010101" pitchFamily="49" charset="-122"/>
+              <a:ea typeface="楷体" panose="02010609060101010101" pitchFamily="49" charset="-122"/>
+            </a:endParaRPr>
+          </a:p>
+          <a:p>
+            <a:pPr>
+              <a:spcBef>
+                <a:spcPts val="600"/>
+              </a:spcBef>
+              <a:spcAft>
+                <a:spcPts val="600"/>
+              </a:spcAft>
+            </a:pPr>
+            <a:endParaRPr lang="en-US" altLang="zh-CN" dirty="0">
+              <a:latin typeface="楷体" panose="02010609060101010101" pitchFamily="49" charset="-122"/>
+              <a:ea typeface="楷体" panose="02010609060101010101" pitchFamily="49" charset="-122"/>
+            </a:endParaRPr>
+          </a:p>
+          <a:p>
+            <a:pPr>
+              <a:spcBef>
+                <a:spcPts val="600"/>
+              </a:spcBef>
+              <a:spcAft>
+                <a:spcPts val="600"/>
+              </a:spcAft>
+            </a:pPr>
+            <a:endParaRPr lang="en-US" altLang="zh-CN" dirty="0" smtClean="0">
+              <a:latin typeface="楷体" panose="02010609060101010101" pitchFamily="49" charset="-122"/>
+              <a:ea typeface="楷体" panose="02010609060101010101" pitchFamily="49" charset="-122"/>
+            </a:endParaRPr>
+          </a:p>
+          <a:p>
+            <a:pPr>
+              <a:spcBef>
+                <a:spcPts val="600"/>
+              </a:spcBef>
+              <a:spcAft>
+                <a:spcPts val="600"/>
+              </a:spcAft>
+            </a:pPr>
+            <a:endParaRPr lang="en-US" altLang="zh-CN" dirty="0">
+              <a:latin typeface="楷体" panose="02010609060101010101" pitchFamily="49" charset="-122"/>
+              <a:ea typeface="楷体" panose="02010609060101010101" pitchFamily="49" charset="-122"/>
+            </a:endParaRPr>
+          </a:p>
+        </p:txBody>
+      </p:sp>
+      <p:graphicFrame>
+        <p:nvGraphicFramePr>
+          <p:cNvPr id="2" name="表格 1"/>
+          <p:cNvGraphicFramePr>
+            <a:graphicFrameLocks noGrp="1"/>
+          </p:cNvGraphicFramePr>
+          <p:nvPr>
+            <p:extLst>
+              <p:ext uri="{D42A27DB-BD31-4B8C-83A1-F6EECF244321}">
+                <p14:modId xmlns:p14="http://schemas.microsoft.com/office/powerpoint/2010/main" val="3185289147"/>
+              </p:ext>
+            </p:extLst>
+          </p:nvPr>
+        </p:nvGraphicFramePr>
+        <p:xfrm>
+          <a:off x="6646702" y="3044854"/>
+          <a:ext cx="4924698" cy="1866780"/>
+        </p:xfrm>
+        <a:graphic>
+          <a:graphicData uri="http://schemas.openxmlformats.org/drawingml/2006/table">
+            <a:tbl>
+              <a:tblPr firstRow="1" bandRow="1">
+                <a:tableStyleId>{5C22544A-7EE6-4342-B048-85BDC9FD1C3A}</a:tableStyleId>
+              </a:tblPr>
+              <a:tblGrid>
+                <a:gridCol w="2462349"/>
+                <a:gridCol w="2462349"/>
+              </a:tblGrid>
+              <a:tr h="373356">
+                <a:tc>
+                  <a:txBody>
+                    <a:bodyPr/>
+                    <a:lstStyle/>
+                    <a:p>
+                      <a:r>
+                        <a:rPr lang="zh-CN" altLang="en-US" dirty="0" smtClean="0"/>
+                        <a:t>现有做法</a:t>
+                      </a:r>
+                      <a:endParaRPr lang="zh-CN" altLang="en-US" dirty="0"/>
+                    </a:p>
+                  </a:txBody>
+                  <a:tcPr/>
+                </a:tc>
+                <a:tc>
+                  <a:txBody>
+                    <a:bodyPr/>
+                    <a:lstStyle/>
+                    <a:p>
+                      <a:r>
+                        <a:rPr lang="zh-CN" altLang="en-US" dirty="0" smtClean="0"/>
+                        <a:t>敏捷做法</a:t>
+                      </a:r>
+                      <a:endParaRPr lang="zh-CN" altLang="en-US" dirty="0"/>
+                    </a:p>
+                  </a:txBody>
+                  <a:tcPr/>
+                </a:tc>
+              </a:tr>
+              <a:tr h="373356">
+                <a:tc>
+                  <a:txBody>
+                    <a:bodyPr/>
+                    <a:lstStyle/>
+                    <a:p>
+                      <a:r>
+                        <a:rPr lang="zh-CN" altLang="en-US" dirty="0" smtClean="0"/>
+                        <a:t>流程和工具</a:t>
+                      </a:r>
+                      <a:endParaRPr lang="zh-CN" altLang="en-US" dirty="0"/>
+                    </a:p>
+                  </a:txBody>
+                  <a:tcPr/>
+                </a:tc>
+                <a:tc>
+                  <a:txBody>
+                    <a:bodyPr/>
+                    <a:lstStyle/>
+                    <a:p>
+                      <a:r>
+                        <a:rPr lang="zh-CN" altLang="en-US" dirty="0" smtClean="0"/>
+                        <a:t>个人和交流</a:t>
+                      </a:r>
+                      <a:endParaRPr lang="zh-CN" altLang="en-US" dirty="0"/>
+                    </a:p>
+                  </a:txBody>
+                  <a:tcPr/>
+                </a:tc>
+              </a:tr>
+              <a:tr h="373356">
+                <a:tc>
+                  <a:txBody>
+                    <a:bodyPr/>
+                    <a:lstStyle/>
+                    <a:p>
+                      <a:r>
+                        <a:rPr lang="zh-CN" altLang="en-US" dirty="0" smtClean="0"/>
+                        <a:t>完备的文档</a:t>
+                      </a:r>
+                      <a:endParaRPr lang="zh-CN" altLang="en-US" dirty="0"/>
+                    </a:p>
+                  </a:txBody>
+                  <a:tcPr/>
+                </a:tc>
+                <a:tc>
+                  <a:txBody>
+                    <a:bodyPr/>
+                    <a:lstStyle/>
+                    <a:p>
+                      <a:r>
+                        <a:rPr lang="zh-CN" altLang="en-US" dirty="0" smtClean="0"/>
+                        <a:t>可用的软件</a:t>
+                      </a:r>
+                      <a:endParaRPr lang="zh-CN" altLang="en-US" dirty="0"/>
+                    </a:p>
+                  </a:txBody>
+                  <a:tcPr/>
+                </a:tc>
+              </a:tr>
+              <a:tr h="373356">
+                <a:tc>
+                  <a:txBody>
+                    <a:bodyPr/>
+                    <a:lstStyle/>
+                    <a:p>
+                      <a:r>
+                        <a:rPr lang="zh-CN" altLang="en-US" dirty="0" smtClean="0"/>
+                        <a:t>为合同谈判</a:t>
+                      </a:r>
+                      <a:endParaRPr lang="zh-CN" altLang="en-US" dirty="0"/>
+                    </a:p>
+                  </a:txBody>
+                  <a:tcPr/>
+                </a:tc>
+                <a:tc>
+                  <a:txBody>
+                    <a:bodyPr/>
+                    <a:lstStyle/>
+                    <a:p>
+                      <a:r>
+                        <a:rPr lang="zh-CN" altLang="en-US" dirty="0" smtClean="0"/>
+                        <a:t>与客户合作</a:t>
+                      </a:r>
+                      <a:endParaRPr lang="zh-CN" altLang="en-US" dirty="0"/>
+                    </a:p>
+                  </a:txBody>
+                  <a:tcPr/>
+                </a:tc>
+              </a:tr>
+              <a:tr h="373356">
+                <a:tc>
+                  <a:txBody>
+                    <a:bodyPr/>
+                    <a:lstStyle/>
+                    <a:p>
+                      <a:r>
+                        <a:rPr lang="zh-CN" altLang="en-US" dirty="0" smtClean="0"/>
+                        <a:t>执行原定计划</a:t>
+                      </a:r>
+                      <a:endParaRPr lang="zh-CN" altLang="en-US" dirty="0"/>
+                    </a:p>
+                  </a:txBody>
+                  <a:tcPr/>
+                </a:tc>
+                <a:tc>
+                  <a:txBody>
+                    <a:bodyPr/>
+                    <a:lstStyle/>
+                    <a:p>
+                      <a:r>
+                        <a:rPr lang="zh-CN" altLang="en-US" dirty="0" smtClean="0"/>
+                        <a:t>响应变化</a:t>
+                      </a:r>
+                      <a:endParaRPr lang="zh-CN" altLang="en-US" dirty="0"/>
+                    </a:p>
+                  </a:txBody>
+                  <a:tcPr/>
+                </a:tc>
+              </a:tr>
+            </a:tbl>
+          </a:graphicData>
+        </a:graphic>
+      </p:graphicFrame>
+    </p:spTree>
+    <p:extLst>
+      <p:ext uri="{BB962C8B-B14F-4D97-AF65-F5344CB8AC3E}">
+        <p14:creationId xmlns:p14="http://schemas.microsoft.com/office/powerpoint/2010/main" val="778746676"/>
+      </p:ext>
+    </p:extLst>
+  </p:cSld>
+  <p:clrMapOvr>
+    <a:masterClrMapping/>
+  </p:clrMapOvr>
+</p:sld>
+</file>
+
+<file path=ppt/slides/slide4.xml><?xml version="1.0" encoding="utf-8"?>
+<p:sld xmlns:a="http://schemas.openxmlformats.org/drawingml/2006/main" xmlns:r="http://schemas.openxmlformats.org/officeDocument/2006/relationships" xmlns:p="http://schemas.openxmlformats.org/presentationml/2006/main">
+  <p:cSld>
+    <p:spTree>
+      <p:nvGrpSpPr>
+        <p:cNvPr id="1" name=""/>
+        <p:cNvGrpSpPr/>
+        <p:nvPr/>
+      </p:nvGrpSpPr>
+      <p:grpSpPr>
+        <a:xfrm>
+          <a:off x="0" y="0"/>
+          <a:ext cx="0" cy="0"/>
+          <a:chOff x="0" y="0"/>
+          <a:chExt cx="0" cy="0"/>
+        </a:xfrm>
+      </p:grpSpPr>
+      <p:sp>
+        <p:nvSpPr>
+          <p:cNvPr id="3" name="副标题 2"/>
+          <p:cNvSpPr>
+            <a:spLocks noGrp="1"/>
+          </p:cNvSpPr>
+          <p:nvPr>
+            <p:ph type="subTitle" idx="1"/>
+          </p:nvPr>
+        </p:nvSpPr>
+        <p:spPr>
+          <a:xfrm>
+            <a:off x="1652337" y="473828"/>
+            <a:ext cx="9144000" cy="665161"/>
+          </a:xfrm>
+        </p:spPr>
+        <p:txBody>
+          <a:bodyPr>
+            <a:normAutofit/>
+          </a:bodyPr>
+          <a:lstStyle/>
+          <a:p>
+            <a:r>
+              <a:rPr lang="zh-CN" altLang="en-US" sz="3200" dirty="0" smtClean="0">
+                <a:latin typeface="楷体" panose="02010609060101010101" pitchFamily="49" charset="-122"/>
+                <a:ea typeface="楷体" panose="02010609060101010101" pitchFamily="49" charset="-122"/>
+              </a:rPr>
+              <a:t>第</a:t>
+            </a:r>
+            <a:r>
+              <a:rPr lang="en-US" altLang="zh-CN" sz="3200" dirty="0" smtClean="0">
+                <a:latin typeface="楷体" panose="02010609060101010101" pitchFamily="49" charset="-122"/>
+                <a:ea typeface="楷体" panose="02010609060101010101" pitchFamily="49" charset="-122"/>
+              </a:rPr>
+              <a:t>6</a:t>
+            </a:r>
+            <a:r>
+              <a:rPr lang="zh-CN" altLang="en-US" sz="3200" dirty="0" smtClean="0">
+                <a:latin typeface="楷体" panose="02010609060101010101" pitchFamily="49" charset="-122"/>
+                <a:ea typeface="楷体" panose="02010609060101010101" pitchFamily="49" charset="-122"/>
+              </a:rPr>
+              <a:t>章 敏捷流程</a:t>
+            </a:r>
+            <a:endParaRPr lang="zh-CN" altLang="en-US" sz="3200" dirty="0">
+              <a:latin typeface="楷体" panose="02010609060101010101" pitchFamily="49" charset="-122"/>
+              <a:ea typeface="楷体" panose="02010609060101010101" pitchFamily="49" charset="-122"/>
+            </a:endParaRPr>
+          </a:p>
+        </p:txBody>
+      </p:sp>
+      <p:sp>
+        <p:nvSpPr>
+          <p:cNvPr id="4" name="文本框 3"/>
+          <p:cNvSpPr txBox="1"/>
+          <p:nvPr/>
+        </p:nvSpPr>
+        <p:spPr>
+          <a:xfrm>
+            <a:off x="557350" y="806408"/>
+            <a:ext cx="11033760" cy="5539978"/>
+          </a:xfrm>
+          <a:prstGeom prst="rect">
+            <a:avLst/>
+          </a:prstGeom>
+          <a:noFill/>
+        </p:spPr>
+        <p:txBody>
+          <a:bodyPr wrap="square" rtlCol="0">
+            <a:spAutoFit/>
+          </a:bodyPr>
+          <a:lstStyle/>
+          <a:p>
+            <a:pPr>
+              <a:spcBef>
+                <a:spcPts val="600"/>
+              </a:spcBef>
+              <a:spcAft>
+                <a:spcPts val="600"/>
+              </a:spcAft>
+            </a:pPr>
+            <a:r>
+              <a:rPr lang="en-US" altLang="zh-CN" b="1" dirty="0">
+                <a:latin typeface="楷体" panose="02010609060101010101" pitchFamily="49" charset="-122"/>
+                <a:ea typeface="楷体" panose="02010609060101010101" pitchFamily="49" charset="-122"/>
+              </a:rPr>
+              <a:t>2</a:t>
+            </a:r>
+            <a:r>
+              <a:rPr lang="en-US" altLang="zh-CN" b="1" dirty="0" smtClean="0">
+                <a:latin typeface="楷体" panose="02010609060101010101" pitchFamily="49" charset="-122"/>
+                <a:ea typeface="楷体" panose="02010609060101010101" pitchFamily="49" charset="-122"/>
+              </a:rPr>
+              <a:t>.</a:t>
+            </a:r>
+            <a:r>
+              <a:rPr lang="zh-CN" altLang="en-US" b="1" dirty="0" smtClean="0">
+                <a:latin typeface="楷体" panose="02010609060101010101" pitchFamily="49" charset="-122"/>
+                <a:ea typeface="楷体" panose="02010609060101010101" pitchFamily="49" charset="-122"/>
+              </a:rPr>
+              <a:t>敏捷原则</a:t>
+            </a:r>
+            <a:endParaRPr lang="en-US" altLang="zh-CN" b="1" dirty="0" smtClean="0">
+              <a:latin typeface="楷体" panose="02010609060101010101" pitchFamily="49" charset="-122"/>
+              <a:ea typeface="楷体" panose="02010609060101010101" pitchFamily="49" charset="-122"/>
+            </a:endParaRPr>
+          </a:p>
+          <a:p>
+            <a:pPr marL="342900" indent="-342900">
+              <a:spcBef>
+                <a:spcPts val="600"/>
+              </a:spcBef>
+              <a:spcAft>
+                <a:spcPts val="600"/>
+              </a:spcAft>
+              <a:buFont typeface="Wingdings" panose="05000000000000000000" pitchFamily="2" charset="2"/>
+              <a:buChar char="l"/>
+            </a:pPr>
+            <a:r>
+              <a:rPr lang="zh-CN" altLang="en-US" dirty="0">
+                <a:latin typeface="楷体" panose="02010609060101010101" pitchFamily="49" charset="-122"/>
+                <a:ea typeface="楷体" panose="02010609060101010101" pitchFamily="49" charset="-122"/>
+              </a:rPr>
+              <a:t>我们</a:t>
+            </a:r>
+            <a:r>
+              <a:rPr lang="zh-CN" altLang="en-US" dirty="0">
+                <a:latin typeface="楷体" panose="02010609060101010101" pitchFamily="49" charset="-122"/>
+                <a:ea typeface="楷体" panose="02010609060101010101" pitchFamily="49" charset="-122"/>
+              </a:rPr>
+              <a:t>最优先要做的是通过尽早的、持续的交付有价值的软件来使客户</a:t>
+            </a:r>
+            <a:r>
+              <a:rPr lang="zh-CN" altLang="en-US" dirty="0">
+                <a:latin typeface="楷体" panose="02010609060101010101" pitchFamily="49" charset="-122"/>
+                <a:ea typeface="楷体" panose="02010609060101010101" pitchFamily="49" charset="-122"/>
+              </a:rPr>
+              <a:t>满意</a:t>
+            </a:r>
+            <a:endParaRPr lang="en-US" altLang="zh-CN" dirty="0">
+              <a:latin typeface="楷体" panose="02010609060101010101" pitchFamily="49" charset="-122"/>
+              <a:ea typeface="楷体" panose="02010609060101010101" pitchFamily="49" charset="-122"/>
+            </a:endParaRPr>
+          </a:p>
+          <a:p>
+            <a:pPr marL="342900" indent="-342900">
+              <a:spcBef>
+                <a:spcPts val="600"/>
+              </a:spcBef>
+              <a:spcAft>
+                <a:spcPts val="600"/>
+              </a:spcAft>
+              <a:buFont typeface="Wingdings" panose="05000000000000000000" pitchFamily="2" charset="2"/>
+              <a:buChar char="l"/>
+            </a:pPr>
+            <a:r>
+              <a:rPr lang="zh-CN" altLang="en-US" dirty="0">
+                <a:latin typeface="楷体" panose="02010609060101010101" pitchFamily="49" charset="-122"/>
+                <a:ea typeface="楷体" panose="02010609060101010101" pitchFamily="49" charset="-122"/>
+              </a:rPr>
+              <a:t>我们</a:t>
+            </a:r>
+            <a:r>
+              <a:rPr lang="zh-CN" altLang="en-US" dirty="0">
+                <a:latin typeface="楷体" panose="02010609060101010101" pitchFamily="49" charset="-122"/>
+                <a:ea typeface="楷体" panose="02010609060101010101" pitchFamily="49" charset="-122"/>
+              </a:rPr>
+              <a:t>最优先要做的是通过尽早的、持续的交付有价值的软件来使客户</a:t>
+            </a:r>
+            <a:r>
+              <a:rPr lang="zh-CN" altLang="en-US" dirty="0">
+                <a:latin typeface="楷体" panose="02010609060101010101" pitchFamily="49" charset="-122"/>
+                <a:ea typeface="楷体" panose="02010609060101010101" pitchFamily="49" charset="-122"/>
+              </a:rPr>
+              <a:t>满意</a:t>
+            </a:r>
+            <a:endParaRPr lang="en-US" altLang="zh-CN" dirty="0">
+              <a:latin typeface="楷体" panose="02010609060101010101" pitchFamily="49" charset="-122"/>
+              <a:ea typeface="楷体" panose="02010609060101010101" pitchFamily="49" charset="-122"/>
+            </a:endParaRPr>
+          </a:p>
+          <a:p>
+            <a:pPr marL="342900" indent="-342900">
+              <a:spcBef>
+                <a:spcPts val="600"/>
+              </a:spcBef>
+              <a:spcAft>
+                <a:spcPts val="600"/>
+              </a:spcAft>
+              <a:buFont typeface="Wingdings" panose="05000000000000000000" pitchFamily="2" charset="2"/>
+              <a:buChar char="l"/>
+            </a:pPr>
+            <a:r>
+              <a:rPr lang="zh-CN" altLang="en-US" dirty="0">
+                <a:latin typeface="楷体" panose="02010609060101010101" pitchFamily="49" charset="-122"/>
+                <a:ea typeface="楷体" panose="02010609060101010101" pitchFamily="49" charset="-122"/>
+              </a:rPr>
+              <a:t>经常性的交付可以工作的软件，交付的间隔可以从几周到几个月，交付的时间间隔</a:t>
+            </a:r>
+            <a:r>
+              <a:rPr lang="zh-CN" altLang="en-US" dirty="0">
+                <a:latin typeface="楷体" panose="02010609060101010101" pitchFamily="49" charset="-122"/>
+                <a:ea typeface="楷体" panose="02010609060101010101" pitchFamily="49" charset="-122"/>
+              </a:rPr>
+              <a:t>越短越好</a:t>
+            </a:r>
+            <a:endParaRPr lang="en-US" altLang="zh-CN" dirty="0">
+              <a:latin typeface="楷体" panose="02010609060101010101" pitchFamily="49" charset="-122"/>
+              <a:ea typeface="楷体" panose="02010609060101010101" pitchFamily="49" charset="-122"/>
+            </a:endParaRPr>
+          </a:p>
+          <a:p>
+            <a:pPr marL="342900" indent="-342900">
+              <a:spcBef>
+                <a:spcPts val="600"/>
+              </a:spcBef>
+              <a:spcAft>
+                <a:spcPts val="600"/>
+              </a:spcAft>
+              <a:buFont typeface="Wingdings" panose="05000000000000000000" pitchFamily="2" charset="2"/>
+              <a:buChar char="l"/>
+            </a:pPr>
+            <a:r>
+              <a:rPr lang="zh-CN" altLang="en-US" dirty="0">
+                <a:latin typeface="楷体" panose="02010609060101010101" pitchFamily="49" charset="-122"/>
+                <a:ea typeface="楷体" panose="02010609060101010101" pitchFamily="49" charset="-122"/>
+              </a:rPr>
+              <a:t>在整个项目开发期间，业务人员和开发人员必须天天都在一起工作</a:t>
+            </a:r>
+            <a:r>
+              <a:rPr lang="zh-CN" altLang="en-US" dirty="0">
+                <a:latin typeface="楷体" panose="02010609060101010101" pitchFamily="49" charset="-122"/>
+                <a:ea typeface="楷体" panose="02010609060101010101" pitchFamily="49" charset="-122"/>
+              </a:rPr>
+              <a:t>。</a:t>
+            </a:r>
+            <a:endParaRPr lang="en-US" altLang="zh-CN" dirty="0">
+              <a:latin typeface="楷体" panose="02010609060101010101" pitchFamily="49" charset="-122"/>
+              <a:ea typeface="楷体" panose="02010609060101010101" pitchFamily="49" charset="-122"/>
+            </a:endParaRPr>
+          </a:p>
+          <a:p>
+            <a:pPr marL="342900" indent="-342900">
+              <a:spcBef>
+                <a:spcPts val="600"/>
+              </a:spcBef>
+              <a:spcAft>
+                <a:spcPts val="600"/>
+              </a:spcAft>
+              <a:buFont typeface="Wingdings" panose="05000000000000000000" pitchFamily="2" charset="2"/>
+              <a:buChar char="l"/>
+            </a:pPr>
+            <a:r>
+              <a:rPr lang="zh-CN" altLang="en-US" dirty="0">
+                <a:latin typeface="楷体" panose="02010609060101010101" pitchFamily="49" charset="-122"/>
+                <a:ea typeface="楷体" panose="02010609060101010101" pitchFamily="49" charset="-122"/>
+              </a:rPr>
+              <a:t>围绕被激励起来的人个来构建项目。给他们提供所需要的环境和支持，并且信任他们能够完成工作</a:t>
+            </a:r>
+            <a:r>
+              <a:rPr lang="zh-CN" altLang="en-US" dirty="0">
+                <a:latin typeface="楷体" panose="02010609060101010101" pitchFamily="49" charset="-122"/>
+                <a:ea typeface="楷体" panose="02010609060101010101" pitchFamily="49" charset="-122"/>
+              </a:rPr>
+              <a:t>。</a:t>
+            </a:r>
+            <a:endParaRPr lang="en-US" altLang="zh-CN" dirty="0">
+              <a:latin typeface="楷体" panose="02010609060101010101" pitchFamily="49" charset="-122"/>
+              <a:ea typeface="楷体" panose="02010609060101010101" pitchFamily="49" charset="-122"/>
+            </a:endParaRPr>
+          </a:p>
+          <a:p>
+            <a:pPr marL="342900" indent="-342900">
+              <a:spcBef>
+                <a:spcPts val="600"/>
+              </a:spcBef>
+              <a:spcAft>
+                <a:spcPts val="600"/>
+              </a:spcAft>
+              <a:buFont typeface="Wingdings" panose="05000000000000000000" pitchFamily="2" charset="2"/>
+              <a:buChar char="l"/>
+            </a:pPr>
+            <a:r>
+              <a:rPr lang="zh-CN" altLang="en-US" dirty="0">
+                <a:latin typeface="楷体" panose="02010609060101010101" pitchFamily="49" charset="-122"/>
+                <a:ea typeface="楷体" panose="02010609060101010101" pitchFamily="49" charset="-122"/>
+              </a:rPr>
+              <a:t>在团队内部，最具有效果并且富有效率的传递信息的方法，就是面对面的交谈</a:t>
+            </a:r>
+            <a:r>
+              <a:rPr lang="zh-CN" altLang="en-US" dirty="0">
+                <a:latin typeface="楷体" panose="02010609060101010101" pitchFamily="49" charset="-122"/>
+                <a:ea typeface="楷体" panose="02010609060101010101" pitchFamily="49" charset="-122"/>
+              </a:rPr>
+              <a:t>。</a:t>
+            </a:r>
+            <a:endParaRPr lang="en-US" altLang="zh-CN" dirty="0">
+              <a:latin typeface="楷体" panose="02010609060101010101" pitchFamily="49" charset="-122"/>
+              <a:ea typeface="楷体" panose="02010609060101010101" pitchFamily="49" charset="-122"/>
+            </a:endParaRPr>
+          </a:p>
+          <a:p>
+            <a:pPr marL="342900" indent="-342900">
+              <a:spcBef>
+                <a:spcPts val="600"/>
+              </a:spcBef>
+              <a:spcAft>
+                <a:spcPts val="600"/>
+              </a:spcAft>
+              <a:buFont typeface="Wingdings" panose="05000000000000000000" pitchFamily="2" charset="2"/>
+              <a:buChar char="l"/>
+            </a:pPr>
+            <a:r>
+              <a:rPr lang="zh-CN" altLang="en-US" dirty="0">
+                <a:latin typeface="楷体" panose="02010609060101010101" pitchFamily="49" charset="-122"/>
+                <a:ea typeface="楷体" panose="02010609060101010101" pitchFamily="49" charset="-122"/>
+              </a:rPr>
+              <a:t>工作的软件是首要进度度量标准</a:t>
+            </a:r>
+            <a:r>
+              <a:rPr lang="zh-CN" altLang="en-US" dirty="0">
+                <a:latin typeface="楷体" panose="02010609060101010101" pitchFamily="49" charset="-122"/>
+                <a:ea typeface="楷体" panose="02010609060101010101" pitchFamily="49" charset="-122"/>
+              </a:rPr>
+              <a:t>。</a:t>
+            </a:r>
+            <a:endParaRPr lang="en-US" altLang="zh-CN" dirty="0">
+              <a:latin typeface="楷体" panose="02010609060101010101" pitchFamily="49" charset="-122"/>
+              <a:ea typeface="楷体" panose="02010609060101010101" pitchFamily="49" charset="-122"/>
+            </a:endParaRPr>
+          </a:p>
+          <a:p>
+            <a:pPr marL="342900" indent="-342900">
+              <a:spcBef>
+                <a:spcPts val="600"/>
+              </a:spcBef>
+              <a:spcAft>
+                <a:spcPts val="600"/>
+              </a:spcAft>
+              <a:buFont typeface="Wingdings" panose="05000000000000000000" pitchFamily="2" charset="2"/>
+              <a:buChar char="l"/>
+            </a:pPr>
+            <a:r>
+              <a:rPr lang="zh-CN" altLang="en-US" dirty="0">
+                <a:latin typeface="楷体" panose="02010609060101010101" pitchFamily="49" charset="-122"/>
+                <a:ea typeface="楷体" panose="02010609060101010101" pitchFamily="49" charset="-122"/>
+              </a:rPr>
+              <a:t>敏捷</a:t>
+            </a:r>
+            <a:r>
+              <a:rPr lang="zh-CN" altLang="en-US" dirty="0">
+                <a:latin typeface="楷体" panose="02010609060101010101" pitchFamily="49" charset="-122"/>
+                <a:ea typeface="楷体" panose="02010609060101010101" pitchFamily="49" charset="-122"/>
+              </a:rPr>
+              <a:t>过程提可持续的开发速度。责任人、开发者和用户应该能够保持一个长期的、恒定的开发速度</a:t>
+            </a:r>
+            <a:r>
+              <a:rPr lang="zh-CN" altLang="en-US" dirty="0">
+                <a:latin typeface="楷体" panose="02010609060101010101" pitchFamily="49" charset="-122"/>
+                <a:ea typeface="楷体" panose="02010609060101010101" pitchFamily="49" charset="-122"/>
+              </a:rPr>
+              <a:t>。</a:t>
+            </a:r>
+            <a:endParaRPr lang="en-US" altLang="zh-CN" dirty="0">
+              <a:latin typeface="楷体" panose="02010609060101010101" pitchFamily="49" charset="-122"/>
+              <a:ea typeface="楷体" panose="02010609060101010101" pitchFamily="49" charset="-122"/>
+            </a:endParaRPr>
+          </a:p>
+          <a:p>
+            <a:pPr marL="342900" indent="-342900">
+              <a:spcBef>
+                <a:spcPts val="600"/>
+              </a:spcBef>
+              <a:spcAft>
+                <a:spcPts val="600"/>
+              </a:spcAft>
+              <a:buFont typeface="Wingdings" panose="05000000000000000000" pitchFamily="2" charset="2"/>
+              <a:buChar char="l"/>
+            </a:pPr>
+            <a:r>
+              <a:rPr lang="zh-CN" altLang="en-US" dirty="0">
+                <a:latin typeface="楷体" panose="02010609060101010101" pitchFamily="49" charset="-122"/>
+                <a:ea typeface="楷体" panose="02010609060101010101" pitchFamily="49" charset="-122"/>
+              </a:rPr>
+              <a:t>不断地关注优秀的技能和好的设计会增强敏捷能力</a:t>
+            </a:r>
+            <a:r>
+              <a:rPr lang="zh-CN" altLang="en-US" dirty="0" smtClean="0">
+                <a:latin typeface="楷体" panose="02010609060101010101" pitchFamily="49" charset="-122"/>
+                <a:ea typeface="楷体" panose="02010609060101010101" pitchFamily="49" charset="-122"/>
+              </a:rPr>
+              <a:t>。</a:t>
+            </a:r>
+            <a:endParaRPr lang="en-US" altLang="zh-CN" dirty="0" smtClean="0">
+              <a:latin typeface="楷体" panose="02010609060101010101" pitchFamily="49" charset="-122"/>
+              <a:ea typeface="楷体" panose="02010609060101010101" pitchFamily="49" charset="-122"/>
+            </a:endParaRPr>
+          </a:p>
+          <a:p>
+            <a:pPr marL="342900" indent="-342900">
+              <a:spcBef>
+                <a:spcPts val="600"/>
+              </a:spcBef>
+              <a:spcAft>
+                <a:spcPts val="600"/>
+              </a:spcAft>
+              <a:buFont typeface="Wingdings" panose="05000000000000000000" pitchFamily="2" charset="2"/>
+              <a:buChar char="l"/>
+            </a:pPr>
+            <a:r>
+              <a:rPr lang="zh-CN" altLang="en-US" dirty="0">
+                <a:latin typeface="楷体" panose="02010609060101010101" pitchFamily="49" charset="-122"/>
+                <a:ea typeface="楷体" panose="02010609060101010101" pitchFamily="49" charset="-122"/>
+              </a:rPr>
+              <a:t>简单</a:t>
+            </a:r>
+            <a:r>
+              <a:rPr lang="en-US" altLang="zh-CN" dirty="0">
+                <a:latin typeface="楷体" panose="02010609060101010101" pitchFamily="49" charset="-122"/>
+                <a:ea typeface="楷体" panose="02010609060101010101" pitchFamily="49" charset="-122"/>
+              </a:rPr>
+              <a:t>----</a:t>
+            </a:r>
+            <a:r>
+              <a:rPr lang="zh-CN" altLang="en-US" dirty="0">
+                <a:latin typeface="楷体" panose="02010609060101010101" pitchFamily="49" charset="-122"/>
+                <a:ea typeface="楷体" panose="02010609060101010101" pitchFamily="49" charset="-122"/>
+              </a:rPr>
+              <a:t>使未完成的工作最大化的艺术</a:t>
+            </a:r>
+            <a:r>
+              <a:rPr lang="en-US" altLang="zh-CN" dirty="0">
+                <a:latin typeface="楷体" panose="02010609060101010101" pitchFamily="49" charset="-122"/>
+                <a:ea typeface="楷体" panose="02010609060101010101" pitchFamily="49" charset="-122"/>
+              </a:rPr>
+              <a:t>----</a:t>
+            </a:r>
+            <a:r>
+              <a:rPr lang="zh-CN" altLang="en-US" dirty="0">
+                <a:latin typeface="楷体" panose="02010609060101010101" pitchFamily="49" charset="-122"/>
+                <a:ea typeface="楷体" panose="02010609060101010101" pitchFamily="49" charset="-122"/>
+              </a:rPr>
+              <a:t>是根本的</a:t>
+            </a:r>
+            <a:r>
+              <a:rPr lang="zh-CN" altLang="en-US" dirty="0" smtClean="0">
+                <a:latin typeface="楷体" panose="02010609060101010101" pitchFamily="49" charset="-122"/>
+                <a:ea typeface="楷体" panose="02010609060101010101" pitchFamily="49" charset="-122"/>
+              </a:rPr>
+              <a:t>。</a:t>
+            </a:r>
+            <a:endParaRPr lang="en-US" altLang="zh-CN" dirty="0" smtClean="0">
+              <a:latin typeface="楷体" panose="02010609060101010101" pitchFamily="49" charset="-122"/>
+              <a:ea typeface="楷体" panose="02010609060101010101" pitchFamily="49" charset="-122"/>
+            </a:endParaRPr>
+          </a:p>
+          <a:p>
+            <a:pPr marL="342900" indent="-342900">
+              <a:spcBef>
+                <a:spcPts val="600"/>
+              </a:spcBef>
+              <a:spcAft>
+                <a:spcPts val="600"/>
+              </a:spcAft>
+              <a:buFont typeface="Wingdings" panose="05000000000000000000" pitchFamily="2" charset="2"/>
+              <a:buChar char="l"/>
+            </a:pPr>
+            <a:r>
+              <a:rPr lang="zh-CN" altLang="en-US" dirty="0">
+                <a:latin typeface="楷体" panose="02010609060101010101" pitchFamily="49" charset="-122"/>
+                <a:ea typeface="楷体" panose="02010609060101010101" pitchFamily="49" charset="-122"/>
+              </a:rPr>
+              <a:t>最好的构架、需求和设计出自与自组织的团队</a:t>
+            </a:r>
+            <a:r>
+              <a:rPr lang="zh-CN" altLang="en-US" dirty="0" smtClean="0">
+                <a:latin typeface="楷体" panose="02010609060101010101" pitchFamily="49" charset="-122"/>
+                <a:ea typeface="楷体" panose="02010609060101010101" pitchFamily="49" charset="-122"/>
+              </a:rPr>
+              <a:t>。</a:t>
+            </a:r>
+            <a:endParaRPr lang="en-US" altLang="zh-CN" dirty="0" smtClean="0">
+              <a:latin typeface="楷体" panose="02010609060101010101" pitchFamily="49" charset="-122"/>
+              <a:ea typeface="楷体" panose="02010609060101010101" pitchFamily="49" charset="-122"/>
+            </a:endParaRPr>
+          </a:p>
+          <a:p>
+            <a:pPr marL="342900" indent="-342900">
+              <a:spcBef>
+                <a:spcPts val="600"/>
+              </a:spcBef>
+              <a:spcAft>
+                <a:spcPts val="600"/>
+              </a:spcAft>
+              <a:buFont typeface="Wingdings" panose="05000000000000000000" pitchFamily="2" charset="2"/>
+              <a:buChar char="l"/>
+            </a:pPr>
+            <a:r>
+              <a:rPr lang="zh-CN" altLang="en-US" dirty="0">
+                <a:latin typeface="楷体" panose="02010609060101010101" pitchFamily="49" charset="-122"/>
+                <a:ea typeface="楷体" panose="02010609060101010101" pitchFamily="49" charset="-122"/>
+              </a:rPr>
+              <a:t>每隔一定时间，团队会在如何才能更有效地工作方面进行反省，然后相应地对自己的行为进行调整。</a:t>
+            </a:r>
+            <a:endParaRPr lang="en-US" altLang="zh-CN" dirty="0" smtClean="0">
+              <a:latin typeface="楷体" panose="02010609060101010101" pitchFamily="49" charset="-122"/>
+              <a:ea typeface="楷体" panose="02010609060101010101" pitchFamily="49" charset="-122"/>
+            </a:endParaRPr>
+          </a:p>
+        </p:txBody>
+      </p:sp>
+    </p:spTree>
+    <p:extLst>
+      <p:ext uri="{BB962C8B-B14F-4D97-AF65-F5344CB8AC3E}">
+        <p14:creationId xmlns:p14="http://schemas.microsoft.com/office/powerpoint/2010/main" val="2511964083"/>
       </p:ext>
     </p:extLst>
   </p:cSld>
@@ -3516,4 +5193,265 @@
     </a:ext>
   </a:extLst>
 </a:theme>
+</file>
+
+<file path=ppt/theme/theme2.xml><?xml version="1.0" encoding="utf-8"?>
+<a:theme xmlns:a="http://schemas.openxmlformats.org/drawingml/2006/main" name="Office 主题">
+  <a:themeElements>
+    <a:clrScheme name="Office">
+      <a:dk1>
+        <a:sysClr val="windowText" lastClr="000000"/>
+      </a:dk1>
+      <a:lt1>
+        <a:sysClr val="window" lastClr="FFFFFF"/>
+      </a:lt1>
+      <a:dk2>
+        <a:srgbClr val="44546A"/>
+      </a:dk2>
+      <a:lt2>
+        <a:srgbClr val="E7E6E6"/>
+      </a:lt2>
+      <a:accent1>
+        <a:srgbClr val="5B9BD5"/>
+      </a:accent1>
+      <a:accent2>
+        <a:srgbClr val="ED7D31"/>
+      </a:accent2>
+      <a:accent3>
+        <a:srgbClr val="A5A5A5"/>
+      </a:accent3>
+      <a:accent4>
+        <a:srgbClr val="FFC000"/>
+      </a:accent4>
+      <a:accent5>
+        <a:srgbClr val="4472C4"/>
+      </a:accent5>
+      <a:accent6>
+        <a:srgbClr val="70AD47"/>
+      </a:accent6>
+      <a:hlink>
+        <a:srgbClr val="0563C1"/>
+      </a:hlink>
+      <a:folHlink>
+        <a:srgbClr val="954F72"/>
+      </a:folHlink>
+    </a:clrScheme>
+    <a:fontScheme name="Office">
+      <a:majorFont>
+        <a:latin typeface="Calibri Light" panose="020F0302020204030204"/>
+        <a:ea typeface=""/>
+        <a:cs typeface=""/>
+        <a:font script="Jpan" typeface="ＭＳ Ｐゴシック"/>
+        <a:font script="Hang" typeface="맑은 고딕"/>
+        <a:font script="Hans" typeface="宋体"/>
+        <a:font script="Hant" typeface="新細明體"/>
+        <a:font script="Arab" typeface="Times New Roman"/>
+        <a:font script="Hebr" typeface="Times New Roman"/>
+        <a:font script="Thai" typeface="Angsana New"/>
+        <a:font script="Ethi" typeface="Nyala"/>
+        <a:font script="Beng" typeface="Vrinda"/>
+        <a:font script="Gujr" typeface="Shruti"/>
+        <a:font script="Khmr" typeface="MoolBoran"/>
+        <a:font script="Knda" typeface="Tunga"/>
+        <a:font script="Guru" typeface="Raavi"/>
+        <a:font script="Cans" typeface="Euphemia"/>
+        <a:font script="Cher" typeface="Plantagenet Cherokee"/>
+        <a:font script="Yiii" typeface="Microsoft Yi Baiti"/>
+        <a:font script="Tibt" typeface="Microsoft Himalaya"/>
+        <a:font script="Thaa" typeface="MV Boli"/>
+        <a:font script="Deva" typeface="Mangal"/>
+        <a:font script="Telu" typeface="Gautami"/>
+        <a:font script="Taml" typeface="Latha"/>
+        <a:font script="Syrc" typeface="Estrangelo Edessa"/>
+        <a:font script="Orya" typeface="Kalinga"/>
+        <a:font script="Mlym" typeface="Kartika"/>
+        <a:font script="Laoo" typeface="DokChampa"/>
+        <a:font script="Sinh" typeface="Iskoola Pota"/>
+        <a:font script="Mong" typeface="Mongolian Baiti"/>
+        <a:font script="Viet" typeface="Times New Roman"/>
+        <a:font script="Uigh" typeface="Microsoft Uighur"/>
+        <a:font script="Geor" typeface="Sylfaen"/>
+      </a:majorFont>
+      <a:minorFont>
+        <a:latin typeface="Calibri" panose="020F0502020204030204"/>
+        <a:ea typeface=""/>
+        <a:cs typeface=""/>
+        <a:font script="Jpan" typeface="ＭＳ Ｐゴシック"/>
+        <a:font script="Hang" typeface="맑은 고딕"/>
+        <a:font script="Hans" typeface="宋体"/>
+        <a:font script="Hant" typeface="新細明體"/>
+        <a:font script="Arab" typeface="Arial"/>
+        <a:font script="Hebr" typeface="Arial"/>
+        <a:font script="Thai" typeface="Cordia New"/>
+        <a:font script="Ethi" typeface="Nyala"/>
+        <a:font script="Beng" typeface="Vrinda"/>
+        <a:font script="Gujr" typeface="Shruti"/>
+        <a:font script="Khmr" typeface="DaunPenh"/>
+        <a:font script="Knda" typeface="Tunga"/>
+        <a:font script="Guru" typeface="Raavi"/>
+        <a:font script="Cans" typeface="Euphemia"/>
+        <a:font script="Cher" typeface="Plantagenet Cherokee"/>
+        <a:font script="Yiii" typeface="Microsoft Yi Baiti"/>
+        <a:font script="Tibt" typeface="Microsoft Himalaya"/>
+        <a:font script="Thaa" typeface="MV Boli"/>
+        <a:font script="Deva" typeface="Mangal"/>
+        <a:font script="Telu" typeface="Gautami"/>
+        <a:font script="Taml" typeface="Latha"/>
+        <a:font script="Syrc" typeface="Estrangelo Edessa"/>
+        <a:font script="Orya" typeface="Kalinga"/>
+        <a:font script="Mlym" typeface="Kartika"/>
+        <a:font script="Laoo" typeface="DokChampa"/>
+        <a:font script="Sinh" typeface="Iskoola Pota"/>
+        <a:font script="Mong" typeface="Mongolian Baiti"/>
+        <a:font script="Viet" typeface="Arial"/>
+        <a:font script="Uigh" typeface="Microsoft Uighur"/>
+        <a:font script="Geor" typeface="Sylfaen"/>
+      </a:minorFont>
+    </a:fontScheme>
+    <a:fmtScheme name="Office">
+      <a:fillStyleLst>
+        <a:solidFill>
+          <a:schemeClr val="phClr"/>
+        </a:solidFill>
+        <a:gradFill rotWithShape="1">
+          <a:gsLst>
+            <a:gs pos="0">
+              <a:schemeClr val="phClr">
+                <a:lumMod val="110000"/>
+                <a:satMod val="105000"/>
+                <a:tint val="67000"/>
+              </a:schemeClr>
+            </a:gs>
+            <a:gs pos="50000">
+              <a:schemeClr val="phClr">
+                <a:lumMod val="105000"/>
+                <a:satMod val="103000"/>
+                <a:tint val="73000"/>
+              </a:schemeClr>
+            </a:gs>
+            <a:gs pos="100000">
+              <a:schemeClr val="phClr">
+                <a:lumMod val="105000"/>
+                <a:satMod val="109000"/>
+                <a:tint val="81000"/>
+              </a:schemeClr>
+            </a:gs>
+          </a:gsLst>
+          <a:lin ang="5400000" scaled="0"/>
+        </a:gradFill>
+        <a:gradFill rotWithShape="1">
+          <a:gsLst>
+            <a:gs pos="0">
+              <a:schemeClr val="phClr">
+                <a:satMod val="103000"/>
+                <a:lumMod val="102000"/>
+                <a:tint val="94000"/>
+              </a:schemeClr>
+            </a:gs>
+            <a:gs pos="50000">
+              <a:schemeClr val="phClr">
+                <a:satMod val="110000"/>
+                <a:lumMod val="100000"/>
+                <a:shade val="100000"/>
+              </a:schemeClr>
+            </a:gs>
+            <a:gs pos="100000">
+              <a:schemeClr val="phClr">
+                <a:lumMod val="99000"/>
+                <a:satMod val="120000"/>
+                <a:shade val="78000"/>
+              </a:schemeClr>
+            </a:gs>
+          </a:gsLst>
+          <a:lin ang="5400000" scaled="0"/>
+        </a:gradFill>
+      </a:fillStyleLst>
+      <a:lnStyleLst>
+        <a:ln w="6350" cap="flat" cmpd="sng" algn="ctr">
+          <a:solidFill>
+            <a:schemeClr val="phClr"/>
+          </a:solidFill>
+          <a:prstDash val="solid"/>
+          <a:miter lim="800000"/>
+        </a:ln>
+        <a:ln w="12700" cap="flat" cmpd="sng" algn="ctr">
+          <a:solidFill>
+            <a:schemeClr val="phClr"/>
+          </a:solidFill>
+          <a:prstDash val="solid"/>
+          <a:miter lim="800000"/>
+        </a:ln>
+        <a:ln w="19050" cap="flat" cmpd="sng" algn="ctr">
+          <a:solidFill>
+            <a:schemeClr val="phClr"/>
+          </a:solidFill>
+          <a:prstDash val="solid"/>
+          <a:miter lim="800000"/>
+        </a:ln>
+      </a:lnStyleLst>
+      <a:effectStyleLst>
+        <a:effectStyle>
+          <a:effectLst/>
+        </a:effectStyle>
+        <a:effectStyle>
+          <a:effectLst/>
+        </a:effectStyle>
+        <a:effectStyle>
+          <a:effectLst>
+            <a:outerShdw blurRad="57150" dist="19050" dir="5400000" algn="ctr" rotWithShape="0">
+              <a:srgbClr val="000000">
+                <a:alpha val="63000"/>
+              </a:srgbClr>
+            </a:outerShdw>
+          </a:effectLst>
+        </a:effectStyle>
+      </a:effectStyleLst>
+      <a:bgFillStyleLst>
+        <a:solidFill>
+          <a:schemeClr val="phClr"/>
+        </a:solidFill>
+        <a:solidFill>
+          <a:schemeClr val="phClr">
+            <a:tint val="95000"/>
+            <a:satMod val="170000"/>
+          </a:schemeClr>
+        </a:solidFill>
+        <a:gradFill rotWithShape="1">
+          <a:gsLst>
+            <a:gs pos="0">
+              <a:schemeClr val="phClr">
+                <a:tint val="93000"/>
+                <a:satMod val="150000"/>
+                <a:shade val="98000"/>
+                <a:lumMod val="102000"/>
+              </a:schemeClr>
+            </a:gs>
+            <a:gs pos="50000">
+              <a:schemeClr val="phClr">
+                <a:tint val="98000"/>
+                <a:satMod val="130000"/>
+                <a:shade val="90000"/>
+                <a:lumMod val="103000"/>
+              </a:schemeClr>
+            </a:gs>
+            <a:gs pos="100000">
+              <a:schemeClr val="phClr">
+                <a:shade val="63000"/>
+                <a:satMod val="120000"/>
+              </a:schemeClr>
+            </a:gs>
+          </a:gsLst>
+          <a:lin ang="5400000" scaled="0"/>
+        </a:gradFill>
+      </a:bgFillStyleLst>
+    </a:fmtScheme>
+  </a:themeElements>
+  <a:objectDefaults/>
+  <a:extraClrSchemeLst/>
+  <a:extLst>
+    <a:ext uri="{05A4C25C-085E-4340-85A3-A5531E510DB2}">
+      <thm15:themeFamily xmlns:thm15="http://schemas.microsoft.com/office/thememl/2012/main" name="Office Theme" id="{62F939B6-93AF-4DB8-9C6B-D6C7DFDC589F}" vid="{4A3C46E8-61CC-4603-A589-7422A47A8E4A}"/>
+    </a:ext>
+  </a:extLst>
+</a:theme>
 </file>
--- a/现代软工.pptx
+++ b/现代软工.pptx
@@ -5,13 +5,15 @@
     <p:sldMasterId id="2147483648" r:id="rId1"/>
   </p:sldMasterIdLst>
   <p:notesMasterIdLst>
-    <p:notesMasterId r:id="rId6"/>
+    <p:notesMasterId r:id="rId8"/>
   </p:notesMasterIdLst>
   <p:sldIdLst>
     <p:sldId id="256" r:id="rId2"/>
     <p:sldId id="257" r:id="rId3"/>
     <p:sldId id="258" r:id="rId4"/>
     <p:sldId id="259" r:id="rId5"/>
+    <p:sldId id="260" r:id="rId6"/>
+    <p:sldId id="261" r:id="rId7"/>
   </p:sldIdLst>
   <p:sldSz cx="12192000" cy="6858000"/>
   <p:notesSz cx="6858000" cy="9144000"/>
@@ -543,6 +545,94 @@
     <p:extLst>
       <p:ext uri="{BB962C8B-B14F-4D97-AF65-F5344CB8AC3E}">
         <p14:creationId xmlns:p14="http://schemas.microsoft.com/office/powerpoint/2010/main" val="1143216244"/>
+      </p:ext>
+    </p:extLst>
+  </p:cSld>
+  <p:clrMapOvr>
+    <a:masterClrMapping/>
+  </p:clrMapOvr>
+</p:notes>
+</file>
+
+<file path=ppt/notesSlides/notesSlide2.xml><?xml version="1.0" encoding="utf-8"?>
+<p:notes xmlns:a="http://schemas.openxmlformats.org/drawingml/2006/main" xmlns:r="http://schemas.openxmlformats.org/officeDocument/2006/relationships" xmlns:p="http://schemas.openxmlformats.org/presentationml/2006/main">
+  <p:cSld>
+    <p:spTree>
+      <p:nvGrpSpPr>
+        <p:cNvPr id="1" name=""/>
+        <p:cNvGrpSpPr/>
+        <p:nvPr/>
+      </p:nvGrpSpPr>
+      <p:grpSpPr>
+        <a:xfrm>
+          <a:off x="0" y="0"/>
+          <a:ext cx="0" cy="0"/>
+          <a:chOff x="0" y="0"/>
+          <a:chExt cx="0" cy="0"/>
+        </a:xfrm>
+      </p:grpSpPr>
+      <p:sp>
+        <p:nvSpPr>
+          <p:cNvPr id="2" name="幻灯片图像占位符 1"/>
+          <p:cNvSpPr>
+            <a:spLocks noGrp="1" noRot="1" noChangeAspect="1"/>
+          </p:cNvSpPr>
+          <p:nvPr>
+            <p:ph type="sldImg"/>
+          </p:nvPr>
+        </p:nvSpPr>
+        <p:spPr/>
+      </p:sp>
+      <p:sp>
+        <p:nvSpPr>
+          <p:cNvPr id="3" name="备注占位符 2"/>
+          <p:cNvSpPr>
+            <a:spLocks noGrp="1"/>
+          </p:cNvSpPr>
+          <p:nvPr>
+            <p:ph type="body" idx="1"/>
+          </p:nvPr>
+        </p:nvSpPr>
+        <p:spPr/>
+        <p:txBody>
+          <a:bodyPr/>
+          <a:lstStyle/>
+          <a:p>
+            <a:r>
+              <a:rPr lang="zh-CN" altLang="en-US" dirty="0" smtClean="0"/>
+              <a:t>以前我们都用需求规格说明书或者用例来编写详细的需求，敏捷使用用户故事来罗列需求。</a:t>
+            </a:r>
+            <a:endParaRPr lang="zh-CN" altLang="en-US" dirty="0"/>
+          </a:p>
+        </p:txBody>
+      </p:sp>
+      <p:sp>
+        <p:nvSpPr>
+          <p:cNvPr id="4" name="灯片编号占位符 3"/>
+          <p:cNvSpPr>
+            <a:spLocks noGrp="1"/>
+          </p:cNvSpPr>
+          <p:nvPr>
+            <p:ph type="sldNum" sz="quarter" idx="10"/>
+          </p:nvPr>
+        </p:nvSpPr>
+        <p:spPr/>
+        <p:txBody>
+          <a:bodyPr/>
+          <a:lstStyle/>
+          <a:p>
+            <a:fld id="{3D9962D9-3041-4AAF-A420-5C5321AE261F}" type="slidenum">
+              <a:rPr lang="zh-CN" altLang="en-US" smtClean="0"/>
+              <a:t>4</a:t>
+            </a:fld>
+            <a:endParaRPr lang="zh-CN" altLang="en-US"/>
+          </a:p>
+        </p:txBody>
+      </p:sp>
+    </p:spTree>
+    <p:extLst>
+      <p:ext uri="{BB962C8B-B14F-4D97-AF65-F5344CB8AC3E}">
+        <p14:creationId xmlns:p14="http://schemas.microsoft.com/office/powerpoint/2010/main" val="3413963159"/>
       </p:ext>
     </p:extLst>
   </p:cSld>
@@ -4470,7 +4560,7 @@
         <p:spPr>
           <a:xfrm>
             <a:off x="557350" y="806408"/>
-            <a:ext cx="11033760" cy="5539978"/>
+            <a:ext cx="11033760" cy="5109091"/>
           </a:xfrm>
           <a:prstGeom prst="rect">
             <a:avLst/>
@@ -4533,22 +4623,135 @@
                 <a:latin typeface="楷体" panose="02010609060101010101" pitchFamily="49" charset="-122"/>
                 <a:ea typeface="楷体" panose="02010609060101010101" pitchFamily="49" charset="-122"/>
               </a:rPr>
-              <a:t>我们</a:t>
-            </a:r>
+              <a:t>我们最优先要做的是通过尽早的、持续的交付有价值的软件来使客户</a:t>
+            </a:r>
+            <a:r>
+              <a:rPr lang="zh-CN" altLang="en-US" dirty="0" smtClean="0">
+                <a:latin typeface="楷体" panose="02010609060101010101" pitchFamily="49" charset="-122"/>
+                <a:ea typeface="楷体" panose="02010609060101010101" pitchFamily="49" charset="-122"/>
+              </a:rPr>
+              <a:t>满意</a:t>
+            </a:r>
+            <a:endParaRPr lang="en-US" altLang="zh-CN" dirty="0" smtClean="0">
+              <a:latin typeface="楷体" panose="02010609060101010101" pitchFamily="49" charset="-122"/>
+              <a:ea typeface="楷体" panose="02010609060101010101" pitchFamily="49" charset="-122"/>
+            </a:endParaRPr>
+          </a:p>
+          <a:p>
+            <a:pPr marL="800100" lvl="1" indent="-342900">
+              <a:spcBef>
+                <a:spcPts val="600"/>
+              </a:spcBef>
+              <a:spcAft>
+                <a:spcPts val="600"/>
+              </a:spcAft>
+              <a:buFont typeface="Wingdings" panose="05000000000000000000" pitchFamily="2" charset="2"/>
+              <a:buChar char="ü"/>
+            </a:pPr>
             <a:r>
               <a:rPr lang="zh-CN" altLang="en-US" dirty="0">
                 <a:latin typeface="楷体" panose="02010609060101010101" pitchFamily="49" charset="-122"/>
                 <a:ea typeface="楷体" panose="02010609060101010101" pitchFamily="49" charset="-122"/>
               </a:rPr>
-              <a:t>最优先要做的是通过尽早的、持续的交付有价值的软件来使客户</a:t>
+              <a:t>规划迭代故事时必须按照优先级安排，为客户先提供最有价值的功能</a:t>
+            </a:r>
+            <a:r>
+              <a:rPr lang="zh-CN" altLang="en-US" dirty="0" smtClean="0">
+                <a:latin typeface="楷体" panose="02010609060101010101" pitchFamily="49" charset="-122"/>
+                <a:ea typeface="楷体" panose="02010609060101010101" pitchFamily="49" charset="-122"/>
+              </a:rPr>
+              <a:t>。</a:t>
+            </a:r>
+            <a:endParaRPr lang="en-US" altLang="zh-CN" dirty="0" smtClean="0">
+              <a:latin typeface="楷体" panose="02010609060101010101" pitchFamily="49" charset="-122"/>
+              <a:ea typeface="楷体" panose="02010609060101010101" pitchFamily="49" charset="-122"/>
+            </a:endParaRPr>
+          </a:p>
+          <a:p>
+            <a:pPr marL="800100" lvl="1" indent="-342900">
+              <a:spcBef>
+                <a:spcPts val="600"/>
+              </a:spcBef>
+              <a:spcAft>
+                <a:spcPts val="600"/>
+              </a:spcAft>
+              <a:buFont typeface="Wingdings" panose="05000000000000000000" pitchFamily="2" charset="2"/>
+              <a:buChar char="ü"/>
+            </a:pPr>
+            <a:r>
+              <a:rPr lang="zh-CN" altLang="en-US" dirty="0" smtClean="0">
+                <a:latin typeface="楷体" panose="02010609060101010101" pitchFamily="49" charset="-122"/>
+                <a:ea typeface="楷体" panose="02010609060101010101" pitchFamily="49" charset="-122"/>
+              </a:rPr>
+              <a:t>通过</a:t>
             </a:r>
             <a:r>
               <a:rPr lang="zh-CN" altLang="en-US" dirty="0">
                 <a:latin typeface="楷体" panose="02010609060101010101" pitchFamily="49" charset="-122"/>
                 <a:ea typeface="楷体" panose="02010609060101010101" pitchFamily="49" charset="-122"/>
               </a:rPr>
-              <a:t>满意</a:t>
-            </a:r>
+              <a:t>频繁迭代能与客户形成早期的良好合作，及时反馈提高产品质量</a:t>
+            </a:r>
+            <a:r>
+              <a:rPr lang="zh-CN" altLang="en-US" dirty="0" smtClean="0">
+                <a:latin typeface="楷体" panose="02010609060101010101" pitchFamily="49" charset="-122"/>
+                <a:ea typeface="楷体" panose="02010609060101010101" pitchFamily="49" charset="-122"/>
+              </a:rPr>
+              <a:t>。</a:t>
+            </a:r>
+            <a:endParaRPr lang="en-US" altLang="zh-CN" dirty="0" smtClean="0">
+              <a:latin typeface="楷体" panose="02010609060101010101" pitchFamily="49" charset="-122"/>
+              <a:ea typeface="楷体" panose="02010609060101010101" pitchFamily="49" charset="-122"/>
+            </a:endParaRPr>
+          </a:p>
+          <a:p>
+            <a:pPr marL="800100" lvl="1" indent="-342900">
+              <a:spcBef>
+                <a:spcPts val="600"/>
+              </a:spcBef>
+              <a:spcAft>
+                <a:spcPts val="600"/>
+              </a:spcAft>
+              <a:buFont typeface="Wingdings" panose="05000000000000000000" pitchFamily="2" charset="2"/>
+              <a:buChar char="ü"/>
+            </a:pPr>
+            <a:r>
+              <a:rPr lang="zh-CN" altLang="en-US" dirty="0" smtClean="0">
+                <a:latin typeface="楷体" panose="02010609060101010101" pitchFamily="49" charset="-122"/>
+                <a:ea typeface="楷体" panose="02010609060101010101" pitchFamily="49" charset="-122"/>
+              </a:rPr>
+              <a:t>敏捷</a:t>
+            </a:r>
+            <a:r>
+              <a:rPr lang="zh-CN" altLang="en-US" dirty="0">
+                <a:latin typeface="楷体" panose="02010609060101010101" pitchFamily="49" charset="-122"/>
+                <a:ea typeface="楷体" panose="02010609060101010101" pitchFamily="49" charset="-122"/>
+              </a:rPr>
+              <a:t>小组关注完成和交付具有用户价值的功能，而不是孤立的任务</a:t>
+            </a:r>
+            <a:r>
+              <a:rPr lang="zh-CN" altLang="en-US" dirty="0" smtClean="0">
+                <a:latin typeface="楷体" panose="02010609060101010101" pitchFamily="49" charset="-122"/>
+                <a:ea typeface="楷体" panose="02010609060101010101" pitchFamily="49" charset="-122"/>
+              </a:rPr>
+              <a:t>。</a:t>
+            </a:r>
+            <a:endParaRPr lang="en-US" altLang="zh-CN" dirty="0" smtClean="0">
+              <a:latin typeface="楷体" panose="02010609060101010101" pitchFamily="49" charset="-122"/>
+              <a:ea typeface="楷体" panose="02010609060101010101" pitchFamily="49" charset="-122"/>
+            </a:endParaRPr>
+          </a:p>
+          <a:p>
+            <a:pPr marL="800100" lvl="1" indent="-342900">
+              <a:spcBef>
+                <a:spcPts val="600"/>
+              </a:spcBef>
+              <a:spcAft>
+                <a:spcPts val="600"/>
+              </a:spcAft>
+              <a:buFont typeface="Wingdings" panose="05000000000000000000" pitchFamily="2" charset="2"/>
+              <a:buChar char="ü"/>
+            </a:pPr>
             <a:endParaRPr lang="en-US" altLang="zh-CN" dirty="0">
               <a:latin typeface="楷体" panose="02010609060101010101" pitchFamily="49" charset="-122"/>
               <a:ea typeface="楷体" panose="02010609060101010101" pitchFamily="49" charset="-122"/>
@@ -4570,21 +4773,83 @@
                 <a:latin typeface="楷体" panose="02010609060101010101" pitchFamily="49" charset="-122"/>
                 <a:ea typeface="楷体" panose="02010609060101010101" pitchFamily="49" charset="-122"/>
               </a:rPr>
-              <a:t>我们</a:t>
-            </a:r>
+              <a:t>即使到了开发的后期，也欢迎改变需求，敏捷过程利用变化来为客户创造竞争</a:t>
+            </a:r>
+            <a:r>
+              <a:rPr lang="zh-CN" altLang="en-US" dirty="0" smtClean="0">
+                <a:latin typeface="楷体" panose="02010609060101010101" pitchFamily="49" charset="-122"/>
+                <a:ea typeface="楷体" panose="02010609060101010101" pitchFamily="49" charset="-122"/>
+              </a:rPr>
+              <a:t>优势</a:t>
+            </a:r>
+            <a:endParaRPr lang="en-US" altLang="zh-CN" dirty="0" smtClean="0">
+              <a:latin typeface="楷体" panose="02010609060101010101" pitchFamily="49" charset="-122"/>
+              <a:ea typeface="楷体" panose="02010609060101010101" pitchFamily="49" charset="-122"/>
+            </a:endParaRPr>
+          </a:p>
+          <a:p>
+            <a:pPr marL="800100" lvl="1" indent="-342900">
+              <a:spcBef>
+                <a:spcPts val="600"/>
+              </a:spcBef>
+              <a:spcAft>
+                <a:spcPts val="600"/>
+              </a:spcAft>
+              <a:buFont typeface="Wingdings" panose="05000000000000000000" pitchFamily="2" charset="2"/>
+              <a:buChar char="ü"/>
+            </a:pPr>
             <a:r>
               <a:rPr lang="zh-CN" altLang="en-US" dirty="0">
                 <a:latin typeface="楷体" panose="02010609060101010101" pitchFamily="49" charset="-122"/>
                 <a:ea typeface="楷体" panose="02010609060101010101" pitchFamily="49" charset="-122"/>
               </a:rPr>
-              <a:t>最优先要做的是通过尽早的、持续的交付有价值的软件来使客户</a:t>
-            </a:r>
+              <a:t>敏捷过程参与者不怕变化，他们认为改变需求是好事情，因为这些改变意味着我们更了解市场需求</a:t>
+            </a:r>
+            <a:r>
+              <a:rPr lang="zh-CN" altLang="en-US" dirty="0" smtClean="0">
+                <a:latin typeface="楷体" panose="02010609060101010101" pitchFamily="49" charset="-122"/>
+                <a:ea typeface="楷体" panose="02010609060101010101" pitchFamily="49" charset="-122"/>
+              </a:rPr>
+              <a:t>。</a:t>
+            </a:r>
+            <a:endParaRPr lang="en-US" altLang="zh-CN" dirty="0" smtClean="0">
+              <a:latin typeface="楷体" panose="02010609060101010101" pitchFamily="49" charset="-122"/>
+              <a:ea typeface="楷体" panose="02010609060101010101" pitchFamily="49" charset="-122"/>
+            </a:endParaRPr>
+          </a:p>
+          <a:p>
+            <a:pPr marL="800100" lvl="1" indent="-342900">
+              <a:spcBef>
+                <a:spcPts val="600"/>
+              </a:spcBef>
+              <a:spcAft>
+                <a:spcPts val="600"/>
+              </a:spcAft>
+              <a:buFont typeface="Wingdings" panose="05000000000000000000" pitchFamily="2" charset="2"/>
+              <a:buChar char="ü"/>
+            </a:pPr>
+            <a:endParaRPr lang="en-US" altLang="zh-CN" dirty="0" smtClean="0">
+              <a:latin typeface="楷体" panose="02010609060101010101" pitchFamily="49" charset="-122"/>
+              <a:ea typeface="楷体" panose="02010609060101010101" pitchFamily="49" charset="-122"/>
+            </a:endParaRPr>
+          </a:p>
+          <a:p>
+            <a:pPr marL="342900" indent="-342900">
+              <a:spcBef>
+                <a:spcPts val="600"/>
+              </a:spcBef>
+              <a:spcAft>
+                <a:spcPts val="600"/>
+              </a:spcAft>
+              <a:buFont typeface="Wingdings" panose="05000000000000000000" pitchFamily="2" charset="2"/>
+              <a:buChar char="l"/>
+            </a:pPr>
             <a:r>
               <a:rPr lang="zh-CN" altLang="en-US" dirty="0">
                 <a:latin typeface="楷体" panose="02010609060101010101" pitchFamily="49" charset="-122"/>
                 <a:ea typeface="楷体" panose="02010609060101010101" pitchFamily="49" charset="-122"/>
               </a:rPr>
-              <a:t>满意</a:t>
+              <a:t>经常性的交付可以工作的软件，交付的间隔可以从几周到几个月，交付的时间间隔越短越好。</a:t>
             </a:r>
             <a:endParaRPr lang="en-US" altLang="zh-CN" dirty="0">
               <a:latin typeface="楷体" panose="02010609060101010101" pitchFamily="49" charset="-122"/>
@@ -4592,6 +4857,190 @@
             </a:endParaRPr>
           </a:p>
           <a:p>
+            <a:pPr marL="800100" lvl="1" indent="-342900">
+              <a:spcBef>
+                <a:spcPts val="600"/>
+              </a:spcBef>
+              <a:spcAft>
+                <a:spcPts val="600"/>
+              </a:spcAft>
+              <a:buFont typeface="Wingdings" panose="05000000000000000000" pitchFamily="2" charset="2"/>
+              <a:buChar char="ü"/>
+            </a:pPr>
+            <a:r>
+              <a:rPr lang="zh-CN" altLang="en-US" dirty="0">
+                <a:latin typeface="楷体" panose="02010609060101010101" pitchFamily="49" charset="-122"/>
+                <a:ea typeface="楷体" panose="02010609060101010101" pitchFamily="49" charset="-122"/>
+              </a:rPr>
+              <a:t>增加一些功能，增加的每个功能都是经过编码、测试，达到了可发布的质量标准的</a:t>
+            </a:r>
+            <a:r>
+              <a:rPr lang="zh-CN" altLang="en-US" dirty="0" smtClean="0">
+                <a:latin typeface="楷体" panose="02010609060101010101" pitchFamily="49" charset="-122"/>
+                <a:ea typeface="楷体" panose="02010609060101010101" pitchFamily="49" charset="-122"/>
+              </a:rPr>
+              <a:t>。</a:t>
+            </a:r>
+            <a:endParaRPr lang="en-US" altLang="zh-CN" dirty="0" smtClean="0">
+              <a:latin typeface="楷体" panose="02010609060101010101" pitchFamily="49" charset="-122"/>
+              <a:ea typeface="楷体" panose="02010609060101010101" pitchFamily="49" charset="-122"/>
+            </a:endParaRPr>
+          </a:p>
+          <a:p>
+            <a:pPr marL="800100" lvl="1" indent="-342900">
+              <a:spcBef>
+                <a:spcPts val="600"/>
+              </a:spcBef>
+              <a:spcAft>
+                <a:spcPts val="600"/>
+              </a:spcAft>
+              <a:buFont typeface="Wingdings" panose="05000000000000000000" pitchFamily="2" charset="2"/>
+              <a:buChar char="ü"/>
+            </a:pPr>
+            <a:endParaRPr lang="en-US" altLang="zh-CN" dirty="0">
+              <a:latin typeface="楷体" panose="02010609060101010101" pitchFamily="49" charset="-122"/>
+              <a:ea typeface="楷体" panose="02010609060101010101" pitchFamily="49" charset="-122"/>
+            </a:endParaRPr>
+          </a:p>
+        </p:txBody>
+      </p:sp>
+    </p:spTree>
+    <p:extLst>
+      <p:ext uri="{BB962C8B-B14F-4D97-AF65-F5344CB8AC3E}">
+        <p14:creationId xmlns:p14="http://schemas.microsoft.com/office/powerpoint/2010/main" val="2511964083"/>
+      </p:ext>
+    </p:extLst>
+  </p:cSld>
+  <p:clrMapOvr>
+    <a:masterClrMapping/>
+  </p:clrMapOvr>
+</p:sld>
+</file>
+
+<file path=ppt/slides/slide5.xml><?xml version="1.0" encoding="utf-8"?>
+<p:sld xmlns:a="http://schemas.openxmlformats.org/drawingml/2006/main" xmlns:r="http://schemas.openxmlformats.org/officeDocument/2006/relationships" xmlns:p="http://schemas.openxmlformats.org/presentationml/2006/main">
+  <p:cSld>
+    <p:spTree>
+      <p:nvGrpSpPr>
+        <p:cNvPr id="1" name=""/>
+        <p:cNvGrpSpPr/>
+        <p:nvPr/>
+      </p:nvGrpSpPr>
+      <p:grpSpPr>
+        <a:xfrm>
+          <a:off x="0" y="0"/>
+          <a:ext cx="0" cy="0"/>
+          <a:chOff x="0" y="0"/>
+          <a:chExt cx="0" cy="0"/>
+        </a:xfrm>
+      </p:grpSpPr>
+      <p:sp>
+        <p:nvSpPr>
+          <p:cNvPr id="3" name="副标题 2"/>
+          <p:cNvSpPr>
+            <a:spLocks noGrp="1"/>
+          </p:cNvSpPr>
+          <p:nvPr>
+            <p:ph type="subTitle" idx="1"/>
+          </p:nvPr>
+        </p:nvSpPr>
+        <p:spPr>
+          <a:xfrm>
+            <a:off x="1652337" y="473828"/>
+            <a:ext cx="9144000" cy="665161"/>
+          </a:xfrm>
+        </p:spPr>
+        <p:txBody>
+          <a:bodyPr>
+            <a:normAutofit/>
+          </a:bodyPr>
+          <a:lstStyle/>
+          <a:p>
+            <a:r>
+              <a:rPr lang="zh-CN" altLang="en-US" sz="3200" dirty="0" smtClean="0">
+                <a:latin typeface="楷体" panose="02010609060101010101" pitchFamily="49" charset="-122"/>
+                <a:ea typeface="楷体" panose="02010609060101010101" pitchFamily="49" charset="-122"/>
+              </a:rPr>
+              <a:t>第</a:t>
+            </a:r>
+            <a:r>
+              <a:rPr lang="en-US" altLang="zh-CN" sz="3200" dirty="0" smtClean="0">
+                <a:latin typeface="楷体" panose="02010609060101010101" pitchFamily="49" charset="-122"/>
+                <a:ea typeface="楷体" panose="02010609060101010101" pitchFamily="49" charset="-122"/>
+              </a:rPr>
+              <a:t>6</a:t>
+            </a:r>
+            <a:r>
+              <a:rPr lang="zh-CN" altLang="en-US" sz="3200" dirty="0" smtClean="0">
+                <a:latin typeface="楷体" panose="02010609060101010101" pitchFamily="49" charset="-122"/>
+                <a:ea typeface="楷体" panose="02010609060101010101" pitchFamily="49" charset="-122"/>
+              </a:rPr>
+              <a:t>章 敏捷流程</a:t>
+            </a:r>
+            <a:endParaRPr lang="zh-CN" altLang="en-US" sz="3200" dirty="0">
+              <a:latin typeface="楷体" panose="02010609060101010101" pitchFamily="49" charset="-122"/>
+              <a:ea typeface="楷体" panose="02010609060101010101" pitchFamily="49" charset="-122"/>
+            </a:endParaRPr>
+          </a:p>
+        </p:txBody>
+      </p:sp>
+      <p:sp>
+        <p:nvSpPr>
+          <p:cNvPr id="4" name="文本框 3"/>
+          <p:cNvSpPr txBox="1"/>
+          <p:nvPr/>
+        </p:nvSpPr>
+        <p:spPr>
+          <a:xfrm>
+            <a:off x="557350" y="806408"/>
+            <a:ext cx="11033760" cy="5324535"/>
+          </a:xfrm>
+          <a:prstGeom prst="rect">
+            <a:avLst/>
+          </a:prstGeom>
+          <a:noFill/>
+        </p:spPr>
+        <p:txBody>
+          <a:bodyPr wrap="square" rtlCol="0">
+            <a:spAutoFit/>
+          </a:bodyPr>
+          <a:lstStyle/>
+          <a:p>
+            <a:pPr>
+              <a:spcBef>
+                <a:spcPts val="600"/>
+              </a:spcBef>
+              <a:spcAft>
+                <a:spcPts val="600"/>
+              </a:spcAft>
+            </a:pPr>
+            <a:r>
+              <a:rPr lang="en-US" altLang="zh-CN" b="1" dirty="0">
+                <a:latin typeface="楷体" panose="02010609060101010101" pitchFamily="49" charset="-122"/>
+                <a:ea typeface="楷体" panose="02010609060101010101" pitchFamily="49" charset="-122"/>
+              </a:rPr>
+              <a:t>2</a:t>
+            </a:r>
+            <a:r>
+              <a:rPr lang="en-US" altLang="zh-CN" b="1" dirty="0" smtClean="0">
+                <a:latin typeface="楷体" panose="02010609060101010101" pitchFamily="49" charset="-122"/>
+                <a:ea typeface="楷体" panose="02010609060101010101" pitchFamily="49" charset="-122"/>
+              </a:rPr>
+              <a:t>.</a:t>
+            </a:r>
+            <a:r>
+              <a:rPr lang="zh-CN" altLang="en-US" b="1" dirty="0" smtClean="0">
+                <a:latin typeface="楷体" panose="02010609060101010101" pitchFamily="49" charset="-122"/>
+                <a:ea typeface="楷体" panose="02010609060101010101" pitchFamily="49" charset="-122"/>
+              </a:rPr>
+              <a:t>敏捷原则</a:t>
+            </a:r>
+            <a:endParaRPr lang="en-US" altLang="zh-CN" b="1" dirty="0" smtClean="0">
+              <a:latin typeface="楷体" panose="02010609060101010101" pitchFamily="49" charset="-122"/>
+              <a:ea typeface="楷体" panose="02010609060101010101" pitchFamily="49" charset="-122"/>
+            </a:endParaRPr>
+          </a:p>
+          <a:p>
             <a:pPr marL="342900" indent="-342900">
               <a:spcBef>
                 <a:spcPts val="600"/>
@@ -4603,18 +5052,48 @@
               <a:buChar char="l"/>
             </a:pPr>
             <a:r>
+              <a:rPr lang="zh-CN" altLang="en-US" dirty="0" smtClean="0">
+                <a:latin typeface="楷体" panose="02010609060101010101" pitchFamily="49" charset="-122"/>
+                <a:ea typeface="楷体" panose="02010609060101010101" pitchFamily="49" charset="-122"/>
+              </a:rPr>
+              <a:t>在</a:t>
+            </a:r>
+            <a:r>
               <a:rPr lang="zh-CN" altLang="en-US" dirty="0">
                 <a:latin typeface="楷体" panose="02010609060101010101" pitchFamily="49" charset="-122"/>
                 <a:ea typeface="楷体" panose="02010609060101010101" pitchFamily="49" charset="-122"/>
               </a:rPr>
-              <a:t>经常性的交付可以工作的软件，交付的间隔可以从几周到几个月，交付的时间间隔</a:t>
-            </a:r>
+              <a:t>整个项目开发期间，业务人员和开发人员必须天天都在一起工作</a:t>
+            </a:r>
+            <a:r>
+              <a:rPr lang="zh-CN" altLang="en-US" dirty="0" smtClean="0">
+                <a:latin typeface="楷体" panose="02010609060101010101" pitchFamily="49" charset="-122"/>
+                <a:ea typeface="楷体" panose="02010609060101010101" pitchFamily="49" charset="-122"/>
+              </a:rPr>
+              <a:t>。</a:t>
+            </a:r>
+            <a:endParaRPr lang="en-US" altLang="zh-CN" dirty="0" smtClean="0">
+              <a:latin typeface="楷体" panose="02010609060101010101" pitchFamily="49" charset="-122"/>
+              <a:ea typeface="楷体" panose="02010609060101010101" pitchFamily="49" charset="-122"/>
+            </a:endParaRPr>
+          </a:p>
+          <a:p>
+            <a:pPr marL="800100" lvl="1" indent="-342900">
+              <a:spcBef>
+                <a:spcPts val="600"/>
+              </a:spcBef>
+              <a:spcAft>
+                <a:spcPts val="600"/>
+              </a:spcAft>
+              <a:buFont typeface="Wingdings" panose="05000000000000000000" pitchFamily="2" charset="2"/>
+              <a:buChar char="ü"/>
+            </a:pPr>
             <a:r>
               <a:rPr lang="zh-CN" altLang="en-US" dirty="0">
                 <a:latin typeface="楷体" panose="02010609060101010101" pitchFamily="49" charset="-122"/>
                 <a:ea typeface="楷体" panose="02010609060101010101" pitchFamily="49" charset="-122"/>
               </a:rPr>
-              <a:t>越短越好</a:t>
+              <a:t>软件项目不会依照之前设定的计划原路执行，中间对业务的理解、软件的解决方案肯定会存在偏差，所以客户、需求人员、开发人员以及涉众之间必须进行有意义的、频繁的交互，这样就可以在早期及时的发现并解决问题。</a:t>
             </a:r>
             <a:endParaRPr lang="en-US" altLang="zh-CN" dirty="0">
               <a:latin typeface="楷体" panose="02010609060101010101" pitchFamily="49" charset="-122"/>
@@ -4637,14 +5116,51 @@
                 <a:latin typeface="楷体" panose="02010609060101010101" pitchFamily="49" charset="-122"/>
                 <a:ea typeface="楷体" panose="02010609060101010101" pitchFamily="49" charset="-122"/>
               </a:rPr>
-              <a:t>在整个项目开发期间，业务人员和开发人员必须天天都在一起工作</a:t>
-            </a:r>
+              <a:t>围绕被激励起来的人个来构建项目。给他们提供所需要的环境和支持，并且信任他们能够完成工作</a:t>
+            </a:r>
+            <a:r>
+              <a:rPr lang="zh-CN" altLang="en-US" dirty="0" smtClean="0">
+                <a:latin typeface="楷体" panose="02010609060101010101" pitchFamily="49" charset="-122"/>
+                <a:ea typeface="楷体" panose="02010609060101010101" pitchFamily="49" charset="-122"/>
+              </a:rPr>
+              <a:t>。</a:t>
+            </a:r>
+            <a:endParaRPr lang="en-US" altLang="zh-CN" dirty="0" smtClean="0">
+              <a:latin typeface="楷体" panose="02010609060101010101" pitchFamily="49" charset="-122"/>
+              <a:ea typeface="楷体" panose="02010609060101010101" pitchFamily="49" charset="-122"/>
+            </a:endParaRPr>
+          </a:p>
+          <a:p>
+            <a:pPr marL="800100" lvl="1" indent="-342900">
+              <a:spcBef>
+                <a:spcPts val="600"/>
+              </a:spcBef>
+              <a:spcAft>
+                <a:spcPts val="600"/>
+              </a:spcAft>
+              <a:buFont typeface="Wingdings" panose="05000000000000000000" pitchFamily="2" charset="2"/>
+              <a:buChar char="l"/>
+            </a:pPr>
             <a:r>
               <a:rPr lang="zh-CN" altLang="en-US" dirty="0">
                 <a:latin typeface="楷体" panose="02010609060101010101" pitchFamily="49" charset="-122"/>
                 <a:ea typeface="楷体" panose="02010609060101010101" pitchFamily="49" charset="-122"/>
               </a:rPr>
-              <a:t>。</a:t>
+              <a:t>业务和技术是引起不确定的二个主要方面，人是第三个方面。而业务和技术又必须由人来执行，所以能够激励人来解决这些问题是解决不确定性的关键。只要个人的目标和团队的目标一致，我们就需要鼓舞起每个人的积极性，以个人为中心构建项目，提供所需的环境、支持与信任。</a:t>
+            </a:r>
+            <a:r>
+              <a:rPr lang="zh-CN" altLang="en-US" dirty="0" smtClean="0">
+                <a:latin typeface="楷体" panose="02010609060101010101" pitchFamily="49" charset="-122"/>
+                <a:ea typeface="楷体" panose="02010609060101010101" pitchFamily="49" charset="-122"/>
+              </a:rPr>
+              <a:t>在</a:t>
+            </a:r>
+            <a:r>
+              <a:rPr lang="zh-CN" altLang="en-US" dirty="0">
+                <a:latin typeface="楷体" panose="02010609060101010101" pitchFamily="49" charset="-122"/>
+                <a:ea typeface="楷体" panose="02010609060101010101" pitchFamily="49" charset="-122"/>
+              </a:rPr>
+              <a:t>团队内部，最具有效果并且富有效率的传递信息的方法，就是面对面的交谈。</a:t>
             </a:r>
             <a:endParaRPr lang="en-US" altLang="zh-CN" dirty="0">
               <a:latin typeface="楷体" panose="02010609060101010101" pitchFamily="49" charset="-122"/>
@@ -4667,14 +5183,37 @@
                 <a:latin typeface="楷体" panose="02010609060101010101" pitchFamily="49" charset="-122"/>
                 <a:ea typeface="楷体" panose="02010609060101010101" pitchFamily="49" charset="-122"/>
               </a:rPr>
-              <a:t>围绕被激励起来的人个来构建项目。给他们提供所需要的环境和支持，并且信任他们能够完成工作</a:t>
-            </a:r>
+              <a:t>工作的软件是首要进度度量标准</a:t>
+            </a:r>
+            <a:r>
+              <a:rPr lang="zh-CN" altLang="en-US" dirty="0" smtClean="0">
+                <a:latin typeface="楷体" panose="02010609060101010101" pitchFamily="49" charset="-122"/>
+                <a:ea typeface="楷体" panose="02010609060101010101" pitchFamily="49" charset="-122"/>
+              </a:rPr>
+              <a:t>。</a:t>
+            </a:r>
+            <a:endParaRPr lang="en-US" altLang="zh-CN" dirty="0" smtClean="0">
+              <a:latin typeface="楷体" panose="02010609060101010101" pitchFamily="49" charset="-122"/>
+              <a:ea typeface="楷体" panose="02010609060101010101" pitchFamily="49" charset="-122"/>
+            </a:endParaRPr>
+          </a:p>
+          <a:p>
+            <a:pPr marL="800100" lvl="1" indent="-342900">
+              <a:spcBef>
+                <a:spcPts val="600"/>
+              </a:spcBef>
+              <a:spcAft>
+                <a:spcPts val="600"/>
+              </a:spcAft>
+              <a:buFont typeface="Wingdings" panose="05000000000000000000" pitchFamily="2" charset="2"/>
+              <a:buChar char="l"/>
+            </a:pPr>
             <a:r>
               <a:rPr lang="zh-CN" altLang="en-US" dirty="0">
                 <a:latin typeface="楷体" panose="02010609060101010101" pitchFamily="49" charset="-122"/>
                 <a:ea typeface="楷体" panose="02010609060101010101" pitchFamily="49" charset="-122"/>
               </a:rPr>
-              <a:t>。</a:t>
+              <a:t>在十几或者二十几个人组成的大团队中，文档是一种比较合适的传递知识和交流的途径。而敏捷团队一般不会很多人（大团队实施敏捷时也会分成多个小的敏捷团队），所以大量的文档交流其实并不是很经济的做法。此时面对面的交谈反而更快速有效。</a:t>
             </a:r>
             <a:endParaRPr lang="en-US" altLang="zh-CN" dirty="0">
               <a:latin typeface="楷体" panose="02010609060101010101" pitchFamily="49" charset="-122"/>
@@ -4692,25 +5231,149 @@
               <a:buFont typeface="Wingdings" panose="05000000000000000000" pitchFamily="2" charset="2"/>
               <a:buChar char="l"/>
             </a:pPr>
-            <a:r>
-              <a:rPr lang="zh-CN" altLang="en-US" dirty="0">
-                <a:latin typeface="楷体" panose="02010609060101010101" pitchFamily="49" charset="-122"/>
-                <a:ea typeface="楷体" panose="02010609060101010101" pitchFamily="49" charset="-122"/>
-              </a:rPr>
-              <a:t>在团队内部，最具有效果并且富有效率的传递信息的方法，就是面对面的交谈</a:t>
-            </a:r>
-            <a:r>
-              <a:rPr lang="zh-CN" altLang="en-US" dirty="0">
-                <a:latin typeface="楷体" panose="02010609060101010101" pitchFamily="49" charset="-122"/>
-                <a:ea typeface="楷体" panose="02010609060101010101" pitchFamily="49" charset="-122"/>
-              </a:rPr>
-              <a:t>。</a:t>
-            </a:r>
             <a:endParaRPr lang="en-US" altLang="zh-CN" dirty="0">
               <a:latin typeface="楷体" panose="02010609060101010101" pitchFamily="49" charset="-122"/>
               <a:ea typeface="楷体" panose="02010609060101010101" pitchFamily="49" charset="-122"/>
             </a:endParaRPr>
           </a:p>
+        </p:txBody>
+      </p:sp>
+    </p:spTree>
+    <p:extLst>
+      <p:ext uri="{BB962C8B-B14F-4D97-AF65-F5344CB8AC3E}">
+        <p14:creationId xmlns:p14="http://schemas.microsoft.com/office/powerpoint/2010/main" val="3243498682"/>
+      </p:ext>
+    </p:extLst>
+  </p:cSld>
+  <p:clrMapOvr>
+    <a:masterClrMapping/>
+  </p:clrMapOvr>
+</p:sld>
+</file>
+
+<file path=ppt/slides/slide6.xml><?xml version="1.0" encoding="utf-8"?>
+<p:sld xmlns:a="http://schemas.openxmlformats.org/drawingml/2006/main" xmlns:r="http://schemas.openxmlformats.org/officeDocument/2006/relationships" xmlns:p="http://schemas.openxmlformats.org/presentationml/2006/main">
+  <p:cSld>
+    <p:spTree>
+      <p:nvGrpSpPr>
+        <p:cNvPr id="1" name=""/>
+        <p:cNvGrpSpPr/>
+        <p:nvPr/>
+      </p:nvGrpSpPr>
+      <p:grpSpPr>
+        <a:xfrm>
+          <a:off x="0" y="0"/>
+          <a:ext cx="0" cy="0"/>
+          <a:chOff x="0" y="0"/>
+          <a:chExt cx="0" cy="0"/>
+        </a:xfrm>
+      </p:grpSpPr>
+      <p:sp>
+        <p:nvSpPr>
+          <p:cNvPr id="3" name="副标题 2"/>
+          <p:cNvSpPr>
+            <a:spLocks noGrp="1"/>
+          </p:cNvSpPr>
+          <p:nvPr>
+            <p:ph type="subTitle" idx="1"/>
+          </p:nvPr>
+        </p:nvSpPr>
+        <p:spPr>
+          <a:xfrm>
+            <a:off x="1652337" y="473828"/>
+            <a:ext cx="9144000" cy="665161"/>
+          </a:xfrm>
+        </p:spPr>
+        <p:txBody>
+          <a:bodyPr>
+            <a:normAutofit/>
+          </a:bodyPr>
+          <a:lstStyle/>
+          <a:p>
+            <a:r>
+              <a:rPr lang="zh-CN" altLang="en-US" sz="3200" dirty="0" smtClean="0">
+                <a:latin typeface="楷体" panose="02010609060101010101" pitchFamily="49" charset="-122"/>
+                <a:ea typeface="楷体" panose="02010609060101010101" pitchFamily="49" charset="-122"/>
+              </a:rPr>
+              <a:t>第</a:t>
+            </a:r>
+            <a:r>
+              <a:rPr lang="en-US" altLang="zh-CN" sz="3200" dirty="0" smtClean="0">
+                <a:latin typeface="楷体" panose="02010609060101010101" pitchFamily="49" charset="-122"/>
+                <a:ea typeface="楷体" panose="02010609060101010101" pitchFamily="49" charset="-122"/>
+              </a:rPr>
+              <a:t>6</a:t>
+            </a:r>
+            <a:r>
+              <a:rPr lang="zh-CN" altLang="en-US" sz="3200" dirty="0" smtClean="0">
+                <a:latin typeface="楷体" panose="02010609060101010101" pitchFamily="49" charset="-122"/>
+                <a:ea typeface="楷体" panose="02010609060101010101" pitchFamily="49" charset="-122"/>
+              </a:rPr>
+              <a:t>章 敏捷流程</a:t>
+            </a:r>
+            <a:endParaRPr lang="zh-CN" altLang="en-US" sz="3200" dirty="0">
+              <a:latin typeface="楷体" panose="02010609060101010101" pitchFamily="49" charset="-122"/>
+              <a:ea typeface="楷体" panose="02010609060101010101" pitchFamily="49" charset="-122"/>
+            </a:endParaRPr>
+          </a:p>
+        </p:txBody>
+      </p:sp>
+      <p:sp>
+        <p:nvSpPr>
+          <p:cNvPr id="4" name="文本框 3"/>
+          <p:cNvSpPr txBox="1"/>
+          <p:nvPr/>
+        </p:nvSpPr>
+        <p:spPr>
+          <a:xfrm>
+            <a:off x="557350" y="806408"/>
+            <a:ext cx="11033760" cy="5786199"/>
+          </a:xfrm>
+          <a:prstGeom prst="rect">
+            <a:avLst/>
+          </a:prstGeom>
+          <a:noFill/>
+        </p:spPr>
+        <p:txBody>
+          <a:bodyPr wrap="square" rtlCol="0">
+            <a:spAutoFit/>
+          </a:bodyPr>
+          <a:lstStyle/>
+          <a:p>
+            <a:pPr>
+              <a:spcBef>
+                <a:spcPts val="600"/>
+              </a:spcBef>
+              <a:spcAft>
+                <a:spcPts val="600"/>
+              </a:spcAft>
+            </a:pPr>
+            <a:r>
+              <a:rPr lang="en-US" altLang="zh-CN" b="1" dirty="0">
+                <a:latin typeface="楷体" panose="02010609060101010101" pitchFamily="49" charset="-122"/>
+                <a:ea typeface="楷体" panose="02010609060101010101" pitchFamily="49" charset="-122"/>
+              </a:rPr>
+              <a:t>2</a:t>
+            </a:r>
+            <a:r>
+              <a:rPr lang="en-US" altLang="zh-CN" b="1" dirty="0" smtClean="0">
+                <a:latin typeface="楷体" panose="02010609060101010101" pitchFamily="49" charset="-122"/>
+                <a:ea typeface="楷体" panose="02010609060101010101" pitchFamily="49" charset="-122"/>
+              </a:rPr>
+              <a:t>.</a:t>
+            </a:r>
+            <a:r>
+              <a:rPr lang="zh-CN" altLang="en-US" b="1" dirty="0" smtClean="0">
+                <a:latin typeface="楷体" panose="02010609060101010101" pitchFamily="49" charset="-122"/>
+                <a:ea typeface="楷体" panose="02010609060101010101" pitchFamily="49" charset="-122"/>
+              </a:rPr>
+              <a:t>敏捷原则</a:t>
+            </a:r>
+            <a:endParaRPr lang="en-US" altLang="zh-CN" b="1" dirty="0" smtClean="0">
+              <a:latin typeface="楷体" panose="02010609060101010101" pitchFamily="49" charset="-122"/>
+              <a:ea typeface="楷体" panose="02010609060101010101" pitchFamily="49" charset="-122"/>
+            </a:endParaRPr>
+          </a:p>
           <a:p>
             <a:pPr marL="342900" indent="-342900">
               <a:spcBef>
@@ -4723,18 +5386,48 @@
               <a:buChar char="l"/>
             </a:pPr>
             <a:r>
+              <a:rPr lang="zh-CN" altLang="en-US" dirty="0" smtClean="0">
+                <a:latin typeface="楷体" panose="02010609060101010101" pitchFamily="49" charset="-122"/>
+                <a:ea typeface="楷体" panose="02010609060101010101" pitchFamily="49" charset="-122"/>
+              </a:rPr>
+              <a:t>敏捷</a:t>
+            </a:r>
+            <a:r>
               <a:rPr lang="zh-CN" altLang="en-US" dirty="0">
                 <a:latin typeface="楷体" panose="02010609060101010101" pitchFamily="49" charset="-122"/>
                 <a:ea typeface="楷体" panose="02010609060101010101" pitchFamily="49" charset="-122"/>
               </a:rPr>
-              <a:t>工作的软件是首要进度度量标准</a:t>
-            </a:r>
+              <a:t>过程提可持续的开发速度。责任人、开发者和用户应该能够保持一个长期的、恒定的开发速度</a:t>
+            </a:r>
+            <a:r>
+              <a:rPr lang="zh-CN" altLang="en-US" dirty="0" smtClean="0">
+                <a:latin typeface="楷体" panose="02010609060101010101" pitchFamily="49" charset="-122"/>
+                <a:ea typeface="楷体" panose="02010609060101010101" pitchFamily="49" charset="-122"/>
+              </a:rPr>
+              <a:t>。</a:t>
+            </a:r>
+            <a:endParaRPr lang="en-US" altLang="zh-CN" dirty="0" smtClean="0">
+              <a:latin typeface="楷体" panose="02010609060101010101" pitchFamily="49" charset="-122"/>
+              <a:ea typeface="楷体" panose="02010609060101010101" pitchFamily="49" charset="-122"/>
+            </a:endParaRPr>
+          </a:p>
+          <a:p>
+            <a:pPr marL="800100" lvl="1" indent="-342900">
+              <a:spcBef>
+                <a:spcPts val="600"/>
+              </a:spcBef>
+              <a:spcAft>
+                <a:spcPts val="600"/>
+              </a:spcAft>
+              <a:buFont typeface="Wingdings" panose="05000000000000000000" pitchFamily="2" charset="2"/>
+              <a:buChar char="l"/>
+            </a:pPr>
             <a:r>
               <a:rPr lang="zh-CN" altLang="en-US" dirty="0">
                 <a:latin typeface="楷体" panose="02010609060101010101" pitchFamily="49" charset="-122"/>
                 <a:ea typeface="楷体" panose="02010609060101010101" pitchFamily="49" charset="-122"/>
               </a:rPr>
-              <a:t>。</a:t>
+              <a:t>敏捷过程希望能够可持续的进行开发，开发速度不会随着迭代的任务不同而不同，不欣赏所谓的拼一拼也能完成的态度，开发工作不应该是突击行为。</a:t>
             </a:r>
             <a:endParaRPr lang="en-US" altLang="zh-CN" dirty="0">
               <a:latin typeface="楷体" panose="02010609060101010101" pitchFamily="49" charset="-122"/>
@@ -4757,29 +5450,22 @@
                 <a:latin typeface="楷体" panose="02010609060101010101" pitchFamily="49" charset="-122"/>
                 <a:ea typeface="楷体" panose="02010609060101010101" pitchFamily="49" charset="-122"/>
               </a:rPr>
-              <a:t>敏捷</a:t>
-            </a:r>
-            <a:r>
-              <a:rPr lang="zh-CN" altLang="en-US" dirty="0">
-                <a:latin typeface="楷体" panose="02010609060101010101" pitchFamily="49" charset="-122"/>
-                <a:ea typeface="楷体" panose="02010609060101010101" pitchFamily="49" charset="-122"/>
-              </a:rPr>
-              <a:t>过程提可持续的开发速度。责任人、开发者和用户应该能够保持一个长期的、恒定的开发速度</a:t>
-            </a:r>
-            <a:r>
-              <a:rPr lang="zh-CN" altLang="en-US" dirty="0">
+              <a:t>不断地关注优秀的技能和好的设计会增强敏捷能力</a:t>
+            </a:r>
+            <a:r>
+              <a:rPr lang="zh-CN" altLang="en-US" dirty="0" smtClean="0">
                 <a:latin typeface="楷体" panose="02010609060101010101" pitchFamily="49" charset="-122"/>
                 <a:ea typeface="楷体" panose="02010609060101010101" pitchFamily="49" charset="-122"/>
               </a:rPr>
               <a:t>。</a:t>
             </a:r>
-            <a:endParaRPr lang="en-US" altLang="zh-CN" dirty="0">
+            <a:endParaRPr lang="en-US" altLang="zh-CN" dirty="0" smtClean="0">
               <a:latin typeface="楷体" panose="02010609060101010101" pitchFamily="49" charset="-122"/>
               <a:ea typeface="楷体" panose="02010609060101010101" pitchFamily="49" charset="-122"/>
             </a:endParaRPr>
           </a:p>
           <a:p>
-            <a:pPr marL="342900" indent="-342900">
+            <a:pPr marL="800100" lvl="1" indent="-342900">
               <a:spcBef>
                 <a:spcPts val="600"/>
               </a:spcBef>
@@ -4794,14 +5480,7 @@
                 <a:latin typeface="楷体" panose="02010609060101010101" pitchFamily="49" charset="-122"/>
                 <a:ea typeface="楷体" panose="02010609060101010101" pitchFamily="49" charset="-122"/>
               </a:rPr>
-              <a:t>不断地关注优秀的技能和好的设计会增强敏捷能力</a:t>
-            </a:r>
-            <a:r>
-              <a:rPr lang="zh-CN" altLang="en-US" dirty="0" smtClean="0">
-                <a:latin typeface="楷体" panose="02010609060101010101" pitchFamily="49" charset="-122"/>
-                <a:ea typeface="楷体" panose="02010609060101010101" pitchFamily="49" charset="-122"/>
-              </a:rPr>
-              <a:t>。</a:t>
+              <a:t>敏捷过程有很多好的技术实践可以加强产品敏捷能力，很多原则、模式和实践也可以增强敏捷开发能力。</a:t>
             </a:r>
             <a:endParaRPr lang="en-US" altLang="zh-CN" dirty="0" smtClean="0">
               <a:latin typeface="楷体" panose="02010609060101010101" pitchFamily="49" charset="-122"/>
@@ -4867,7 +5546,7 @@
             </a:endParaRPr>
           </a:p>
           <a:p>
-            <a:pPr marL="342900" indent="-342900">
+            <a:pPr marL="800100" lvl="1" indent="-342900">
               <a:spcBef>
                 <a:spcPts val="600"/>
               </a:spcBef>
@@ -4882,14 +5561,7 @@
                 <a:latin typeface="楷体" panose="02010609060101010101" pitchFamily="49" charset="-122"/>
                 <a:ea typeface="楷体" panose="02010609060101010101" pitchFamily="49" charset="-122"/>
               </a:rPr>
-              <a:t>最好的构架、需求和设计出自与自组织的团队</a:t>
-            </a:r>
-            <a:r>
-              <a:rPr lang="zh-CN" altLang="en-US" dirty="0" smtClean="0">
-                <a:latin typeface="楷体" panose="02010609060101010101" pitchFamily="49" charset="-122"/>
-                <a:ea typeface="楷体" panose="02010609060101010101" pitchFamily="49" charset="-122"/>
-              </a:rPr>
-              <a:t>。</a:t>
+              <a:t>敏捷团队不会去构建明天的软件，而把注意力放在如何通过最简单的方法完成现在需要解决的问题。</a:t>
             </a:r>
             <a:endParaRPr lang="en-US" altLang="zh-CN" dirty="0" smtClean="0">
               <a:latin typeface="楷体" panose="02010609060101010101" pitchFamily="49" charset="-122"/>
@@ -4912,19 +5584,123 @@
                 <a:latin typeface="楷体" panose="02010609060101010101" pitchFamily="49" charset="-122"/>
                 <a:ea typeface="楷体" panose="02010609060101010101" pitchFamily="49" charset="-122"/>
               </a:rPr>
-              <a:t>每隔一定时间，团队会在如何才能更有效地工作方面进行反省，然后相应地对自己的行为进行调整。</a:t>
+              <a:t>最好的构架</a:t>
+            </a:r>
+            <a:r>
+              <a:rPr lang="zh-CN" altLang="en-US" dirty="0" smtClean="0">
+                <a:latin typeface="楷体" panose="02010609060101010101" pitchFamily="49" charset="-122"/>
+                <a:ea typeface="楷体" panose="02010609060101010101" pitchFamily="49" charset="-122"/>
+              </a:rPr>
+              <a:t>、需求</a:t>
+            </a:r>
+            <a:r>
+              <a:rPr lang="zh-CN" altLang="en-US" dirty="0">
+                <a:latin typeface="楷体" panose="02010609060101010101" pitchFamily="49" charset="-122"/>
+                <a:ea typeface="楷体" panose="02010609060101010101" pitchFamily="49" charset="-122"/>
+              </a:rPr>
+              <a:t>和设计出自与自组织的团队</a:t>
+            </a:r>
+            <a:r>
+              <a:rPr lang="zh-CN" altLang="en-US" dirty="0" smtClean="0">
+                <a:latin typeface="楷体" panose="02010609060101010101" pitchFamily="49" charset="-122"/>
+                <a:ea typeface="楷体" panose="02010609060101010101" pitchFamily="49" charset="-122"/>
+              </a:rPr>
+              <a:t>。</a:t>
             </a:r>
             <a:endParaRPr lang="en-US" altLang="zh-CN" dirty="0" smtClean="0">
               <a:latin typeface="楷体" panose="02010609060101010101" pitchFamily="49" charset="-122"/>
               <a:ea typeface="楷体" panose="02010609060101010101" pitchFamily="49" charset="-122"/>
             </a:endParaRPr>
           </a:p>
+          <a:p>
+            <a:pPr marL="800100" lvl="1" indent="-342900">
+              <a:spcBef>
+                <a:spcPts val="600"/>
+              </a:spcBef>
+              <a:spcAft>
+                <a:spcPts val="600"/>
+              </a:spcAft>
+              <a:buFont typeface="Wingdings" panose="05000000000000000000" pitchFamily="2" charset="2"/>
+              <a:buChar char="l"/>
+            </a:pPr>
+            <a:r>
+              <a:rPr lang="zh-CN" altLang="en-US" dirty="0">
+                <a:latin typeface="楷体" panose="02010609060101010101" pitchFamily="49" charset="-122"/>
+                <a:ea typeface="楷体" panose="02010609060101010101" pitchFamily="49" charset="-122"/>
+              </a:rPr>
+              <a:t>在自组织团队中，管理者不再发号施令，而是让团队自身寻找最佳的工作方式来完成</a:t>
+            </a:r>
+            <a:r>
+              <a:rPr lang="zh-CN" altLang="en-US" dirty="0" smtClean="0">
+                <a:latin typeface="楷体" panose="02010609060101010101" pitchFamily="49" charset="-122"/>
+                <a:ea typeface="楷体" panose="02010609060101010101" pitchFamily="49" charset="-122"/>
+              </a:rPr>
+              <a:t>工作</a:t>
+            </a:r>
+            <a:endParaRPr lang="en-US" altLang="zh-CN" dirty="0" smtClean="0">
+              <a:latin typeface="楷体" panose="02010609060101010101" pitchFamily="49" charset="-122"/>
+              <a:ea typeface="楷体" panose="02010609060101010101" pitchFamily="49" charset="-122"/>
+            </a:endParaRPr>
+          </a:p>
+          <a:p>
+            <a:pPr marL="342900" indent="-342900">
+              <a:spcBef>
+                <a:spcPts val="600"/>
+              </a:spcBef>
+              <a:spcAft>
+                <a:spcPts val="600"/>
+              </a:spcAft>
+              <a:buFont typeface="Wingdings" panose="05000000000000000000" pitchFamily="2" charset="2"/>
+              <a:buChar char="l"/>
+            </a:pPr>
+            <a:r>
+              <a:rPr lang="zh-CN" altLang="en-US" dirty="0">
+                <a:latin typeface="楷体" panose="02010609060101010101" pitchFamily="49" charset="-122"/>
+                <a:ea typeface="楷体" panose="02010609060101010101" pitchFamily="49" charset="-122"/>
+              </a:rPr>
+              <a:t>每隔一定时间，团队会在如何才能更有效地工作方面进行反省，然后相应地对自己的行为进行调整</a:t>
+            </a:r>
+            <a:r>
+              <a:rPr lang="zh-CN" altLang="en-US" dirty="0" smtClean="0">
+                <a:latin typeface="楷体" panose="02010609060101010101" pitchFamily="49" charset="-122"/>
+                <a:ea typeface="楷体" panose="02010609060101010101" pitchFamily="49" charset="-122"/>
+              </a:rPr>
+              <a:t>。</a:t>
+            </a:r>
+            <a:endParaRPr lang="en-US" altLang="zh-CN" dirty="0" smtClean="0">
+              <a:latin typeface="楷体" panose="02010609060101010101" pitchFamily="49" charset="-122"/>
+              <a:ea typeface="楷体" panose="02010609060101010101" pitchFamily="49" charset="-122"/>
+            </a:endParaRPr>
+          </a:p>
+          <a:p>
+            <a:pPr marL="800100" lvl="1" indent="-342900">
+              <a:spcBef>
+                <a:spcPts val="600"/>
+              </a:spcBef>
+              <a:spcAft>
+                <a:spcPts val="600"/>
+              </a:spcAft>
+              <a:buFont typeface="Wingdings" panose="05000000000000000000" pitchFamily="2" charset="2"/>
+              <a:buChar char="l"/>
+            </a:pPr>
+            <a:r>
+              <a:rPr lang="zh-CN" altLang="en-US" dirty="0">
+                <a:latin typeface="楷体" panose="02010609060101010101" pitchFamily="49" charset="-122"/>
+                <a:ea typeface="楷体" panose="02010609060101010101" pitchFamily="49" charset="-122"/>
+              </a:rPr>
+              <a:t>由于很多不确定性因素会导致计划失效，比如项目成员增减、技术应用效果、用户需求的改变、竞争者对我们的影响等都会让我们作出不同的反应。　敏捷不是基于预定义的工作方式，而是基于经验性的方式，对以上这些变化，小组通过不断的反省调整来保持团队的敏捷性。</a:t>
+            </a:r>
+            <a:endParaRPr lang="en-US" altLang="zh-CN" dirty="0" smtClean="0">
+              <a:latin typeface="楷体" panose="02010609060101010101" pitchFamily="49" charset="-122"/>
+              <a:ea typeface="楷体" panose="02010609060101010101" pitchFamily="49" charset="-122"/>
+            </a:endParaRPr>
+          </a:p>
         </p:txBody>
       </p:sp>
     </p:spTree>
     <p:extLst>
       <p:ext uri="{BB962C8B-B14F-4D97-AF65-F5344CB8AC3E}">
-        <p14:creationId xmlns:p14="http://schemas.microsoft.com/office/powerpoint/2010/main" val="2511964083"/>
+        <p14:creationId xmlns:p14="http://schemas.microsoft.com/office/powerpoint/2010/main" val="1509221471"/>
       </p:ext>
     </p:extLst>
   </p:cSld>

--- a/现代软工.pptx
+++ b/现代软工.pptx
@@ -3713,7 +3713,7 @@
               </a:spcAft>
             </a:pPr>
             <a:r>
-              <a:rPr lang="en-US" altLang="zh-CN" smtClean="0">
+              <a:rPr lang="en-US" altLang="zh-CN" dirty="0" smtClean="0">
                 <a:latin typeface="楷体" panose="02010609060101010101" pitchFamily="49" charset="-122"/>
                 <a:ea typeface="楷体" panose="02010609060101010101" pitchFamily="49" charset="-122"/>
               </a:rPr>
@@ -4298,13 +4298,13 @@
           <p:nvPr>
             <p:extLst>
               <p:ext uri="{D42A27DB-BD31-4B8C-83A1-F6EECF244321}">
-                <p14:modId xmlns:p14="http://schemas.microsoft.com/office/powerpoint/2010/main" val="3185289147"/>
+                <p14:modId xmlns:p14="http://schemas.microsoft.com/office/powerpoint/2010/main" val="1729449407"/>
               </p:ext>
             </p:extLst>
           </p:nvPr>
         </p:nvGraphicFramePr>
         <p:xfrm>
-          <a:off x="6646702" y="3044854"/>
+          <a:off x="6522716" y="2905369"/>
           <a:ext cx="4924698" cy="1866780"/>
         </p:xfrm>
         <a:graphic>
